--- a/Week 2 - Training Neural Networks/Training Neural Networks.pptx
+++ b/Week 2 - Training Neural Networks/Training Neural Networks.pptx
@@ -2908,7 +2908,7 @@
           <a:p>
             <a:fld id="{F666E1FD-E7A0-497B-BBC0-740BAAC97C64}" type="datetimeFigureOut">
               <a:rPr lang="en-PH" smtClean="0"/>
-              <a:t>15/04/2024</a:t>
+              <a:t>4/18/24</a:t>
             </a:fld>
             <a:endParaRPr lang="en-PH" dirty="0"/>
           </a:p>
@@ -3472,7 +3472,10 @@
           <a:bodyPr/>
           <a:lstStyle/>
           <a:p>
-            <a:endParaRPr lang="en-PH" dirty="0"/>
+            <a:r>
+              <a:rPr lang="en-PH" dirty="0"/>
+              <a:t>The gradient gives the direction and the rate of of fastest increase</a:t>
+            </a:r>
           </a:p>
         </p:txBody>
       </p:sp>
@@ -5016,7 +5019,10 @@
           <a:bodyPr/>
           <a:lstStyle/>
           <a:p>
-            <a:endParaRPr lang="en-PH" dirty="0"/>
+            <a:r>
+              <a:rPr lang="en-PH" dirty="0"/>
+              <a:t>The derivative is a tool of calculus that quantifies the sensitivity of change of a functions output with respect to its input</a:t>
+            </a:r>
           </a:p>
         </p:txBody>
       </p:sp>
@@ -5187,7 +5193,7 @@
           <a:p>
             <a:fld id="{0CCF0B81-6BD8-4C65-9459-815598C5F1F4}" type="datetimeFigureOut">
               <a:rPr lang="en-PH" smtClean="0"/>
-              <a:t>15/04/2024</a:t>
+              <a:t>4/18/24</a:t>
             </a:fld>
             <a:endParaRPr lang="en-PH" dirty="0"/>
           </a:p>
@@ -5357,7 +5363,7 @@
           <a:p>
             <a:fld id="{0CCF0B81-6BD8-4C65-9459-815598C5F1F4}" type="datetimeFigureOut">
               <a:rPr lang="en-PH" smtClean="0"/>
-              <a:t>15/04/2024</a:t>
+              <a:t>4/18/24</a:t>
             </a:fld>
             <a:endParaRPr lang="en-PH" dirty="0"/>
           </a:p>
@@ -5537,7 +5543,7 @@
           <a:p>
             <a:fld id="{0CCF0B81-6BD8-4C65-9459-815598C5F1F4}" type="datetimeFigureOut">
               <a:rPr lang="en-PH" smtClean="0"/>
-              <a:t>15/04/2024</a:t>
+              <a:t>4/18/24</a:t>
             </a:fld>
             <a:endParaRPr lang="en-PH" dirty="0"/>
           </a:p>
@@ -5707,7 +5713,7 @@
           <a:p>
             <a:fld id="{0CCF0B81-6BD8-4C65-9459-815598C5F1F4}" type="datetimeFigureOut">
               <a:rPr lang="en-PH" smtClean="0"/>
-              <a:t>15/04/2024</a:t>
+              <a:t>4/18/24</a:t>
             </a:fld>
             <a:endParaRPr lang="en-PH" dirty="0"/>
           </a:p>
@@ -5953,7 +5959,7 @@
           <a:p>
             <a:fld id="{0CCF0B81-6BD8-4C65-9459-815598C5F1F4}" type="datetimeFigureOut">
               <a:rPr lang="en-PH" smtClean="0"/>
-              <a:t>15/04/2024</a:t>
+              <a:t>4/18/24</a:t>
             </a:fld>
             <a:endParaRPr lang="en-PH" dirty="0"/>
           </a:p>
@@ -6185,7 +6191,7 @@
           <a:p>
             <a:fld id="{0CCF0B81-6BD8-4C65-9459-815598C5F1F4}" type="datetimeFigureOut">
               <a:rPr lang="en-PH" smtClean="0"/>
-              <a:t>15/04/2024</a:t>
+              <a:t>4/18/24</a:t>
             </a:fld>
             <a:endParaRPr lang="en-PH" dirty="0"/>
           </a:p>
@@ -6552,7 +6558,7 @@
           <a:p>
             <a:fld id="{0CCF0B81-6BD8-4C65-9459-815598C5F1F4}" type="datetimeFigureOut">
               <a:rPr lang="en-PH" smtClean="0"/>
-              <a:t>15/04/2024</a:t>
+              <a:t>4/18/24</a:t>
             </a:fld>
             <a:endParaRPr lang="en-PH" dirty="0"/>
           </a:p>
@@ -6670,7 +6676,7 @@
           <a:p>
             <a:fld id="{0CCF0B81-6BD8-4C65-9459-815598C5F1F4}" type="datetimeFigureOut">
               <a:rPr lang="en-PH" smtClean="0"/>
-              <a:t>15/04/2024</a:t>
+              <a:t>4/18/24</a:t>
             </a:fld>
             <a:endParaRPr lang="en-PH" dirty="0"/>
           </a:p>
@@ -6765,7 +6771,7 @@
           <a:p>
             <a:fld id="{0CCF0B81-6BD8-4C65-9459-815598C5F1F4}" type="datetimeFigureOut">
               <a:rPr lang="en-PH" smtClean="0"/>
-              <a:t>15/04/2024</a:t>
+              <a:t>4/18/24</a:t>
             </a:fld>
             <a:endParaRPr lang="en-PH" dirty="0"/>
           </a:p>
@@ -7042,7 +7048,7 @@
           <a:p>
             <a:fld id="{0CCF0B81-6BD8-4C65-9459-815598C5F1F4}" type="datetimeFigureOut">
               <a:rPr lang="en-PH" smtClean="0"/>
-              <a:t>15/04/2024</a:t>
+              <a:t>4/18/24</a:t>
             </a:fld>
             <a:endParaRPr lang="en-PH" dirty="0"/>
           </a:p>
@@ -7298,7 +7304,7 @@
           <a:p>
             <a:fld id="{0CCF0B81-6BD8-4C65-9459-815598C5F1F4}" type="datetimeFigureOut">
               <a:rPr lang="en-PH" smtClean="0"/>
-              <a:t>15/04/2024</a:t>
+              <a:t>4/18/24</a:t>
             </a:fld>
             <a:endParaRPr lang="en-PH" dirty="0"/>
           </a:p>
@@ -7511,7 +7517,7 @@
           <a:p>
             <a:fld id="{0CCF0B81-6BD8-4C65-9459-815598C5F1F4}" type="datetimeFigureOut">
               <a:rPr lang="en-PH" smtClean="0"/>
-              <a:t>15/04/2024</a:t>
+              <a:t>4/18/24</a:t>
             </a:fld>
             <a:endParaRPr lang="en-PH" dirty="0"/>
           </a:p>
@@ -8142,8 +8148,8 @@
           </a:p>
         </p:txBody>
       </p:sp>
-      <mc:AlternateContent xmlns:mc="http://schemas.openxmlformats.org/markup-compatibility/2006">
-        <mc:Choice xmlns:a14="http://schemas.microsoft.com/office/drawing/2010/main" Requires="a14">
+      <mc:AlternateContent xmlns:mc="http://schemas.openxmlformats.org/markup-compatibility/2006" xmlns:a14="http://schemas.microsoft.com/office/drawing/2010/main">
+        <mc:Choice Requires="a14">
           <p:sp>
             <p:nvSpPr>
               <p:cNvPr id="2" name="TextBox 1">
@@ -8533,7 +8539,7 @@
             </p:txBody>
           </p:sp>
         </mc:Choice>
-        <mc:Fallback>
+        <mc:Fallback xmlns="">
           <p:sp>
             <p:nvSpPr>
               <p:cNvPr id="2" name="TextBox 1">
@@ -8579,8 +8585,8 @@
           </p:sp>
         </mc:Fallback>
       </mc:AlternateContent>
-      <mc:AlternateContent xmlns:mc="http://schemas.openxmlformats.org/markup-compatibility/2006">
-        <mc:Choice xmlns:a14="http://schemas.microsoft.com/office/drawing/2010/main" Requires="a14">
+      <mc:AlternateContent xmlns:mc="http://schemas.openxmlformats.org/markup-compatibility/2006" xmlns:a14="http://schemas.microsoft.com/office/drawing/2010/main">
+        <mc:Choice Requires="a14">
           <p:sp>
             <p:nvSpPr>
               <p:cNvPr id="5" name="TextBox 4">
@@ -8777,7 +8783,7 @@
             </p:txBody>
           </p:sp>
         </mc:Choice>
-        <mc:Fallback>
+        <mc:Fallback xmlns="">
           <p:sp>
             <p:nvSpPr>
               <p:cNvPr id="5" name="TextBox 4">
@@ -8823,8 +8829,8 @@
           </p:sp>
         </mc:Fallback>
       </mc:AlternateContent>
-      <mc:AlternateContent xmlns:mc="http://schemas.openxmlformats.org/markup-compatibility/2006">
-        <mc:Choice xmlns:a14="http://schemas.microsoft.com/office/drawing/2010/main" Requires="a14">
+      <mc:AlternateContent xmlns:mc="http://schemas.openxmlformats.org/markup-compatibility/2006" xmlns:a14="http://schemas.microsoft.com/office/drawing/2010/main">
+        <mc:Choice Requires="a14">
           <p:sp>
             <p:nvSpPr>
               <p:cNvPr id="9" name="TextBox 8">
@@ -9003,7 +9009,7 @@
             </p:txBody>
           </p:sp>
         </mc:Choice>
-        <mc:Fallback>
+        <mc:Fallback xmlns="">
           <p:sp>
             <p:nvSpPr>
               <p:cNvPr id="9" name="TextBox 8">
@@ -9053,8 +9059,8 @@
           </p:sp>
         </mc:Fallback>
       </mc:AlternateContent>
-      <mc:AlternateContent xmlns:mc="http://schemas.openxmlformats.org/markup-compatibility/2006">
-        <mc:Choice xmlns:a14="http://schemas.microsoft.com/office/drawing/2010/main" Requires="a14">
+      <mc:AlternateContent xmlns:mc="http://schemas.openxmlformats.org/markup-compatibility/2006" xmlns:a14="http://schemas.microsoft.com/office/drawing/2010/main">
+        <mc:Choice Requires="a14">
           <p:sp>
             <p:nvSpPr>
               <p:cNvPr id="11" name="TextBox 10">
@@ -9221,7 +9227,7 @@
             </p:txBody>
           </p:sp>
         </mc:Choice>
-        <mc:Fallback>
+        <mc:Fallback xmlns="">
           <p:sp>
             <p:nvSpPr>
               <p:cNvPr id="11" name="TextBox 10">
@@ -9267,8 +9273,8 @@
           </p:sp>
         </mc:Fallback>
       </mc:AlternateContent>
-      <mc:AlternateContent xmlns:mc="http://schemas.openxmlformats.org/markup-compatibility/2006">
-        <mc:Choice xmlns:a14="http://schemas.microsoft.com/office/drawing/2010/main" Requires="a14">
+      <mc:AlternateContent xmlns:mc="http://schemas.openxmlformats.org/markup-compatibility/2006" xmlns:a14="http://schemas.microsoft.com/office/drawing/2010/main">
+        <mc:Choice Requires="a14">
           <p:sp>
             <p:nvSpPr>
               <p:cNvPr id="13" name="TextBox 12">
@@ -9548,7 +9554,7 @@
             </p:txBody>
           </p:sp>
         </mc:Choice>
-        <mc:Fallback>
+        <mc:Fallback xmlns="">
           <p:sp>
             <p:nvSpPr>
               <p:cNvPr id="13" name="TextBox 12">
@@ -9867,7 +9873,7 @@
       </p:par>
     </p:tnLst>
     <p:bldLst>
-      <p:bldP spid="2" grpId="0"/>
+      <p:bldP spid="2" grpId="0" animBg="1"/>
       <p:bldP spid="5" grpId="0" animBg="1"/>
       <p:bldP spid="9" grpId="0" animBg="1"/>
       <p:bldP spid="11" grpId="0" animBg="1"/>
@@ -9929,8 +9935,8 @@
           </a:p>
         </p:txBody>
       </p:sp>
-      <mc:AlternateContent xmlns:mc="http://schemas.openxmlformats.org/markup-compatibility/2006">
-        <mc:Choice xmlns:a14="http://schemas.microsoft.com/office/drawing/2010/main" Requires="a14">
+      <mc:AlternateContent xmlns:mc="http://schemas.openxmlformats.org/markup-compatibility/2006" xmlns:a14="http://schemas.microsoft.com/office/drawing/2010/main">
+        <mc:Choice Requires="a14">
           <p:sp>
             <p:nvSpPr>
               <p:cNvPr id="13" name="TextBox 12">
@@ -10210,7 +10216,7 @@
             </p:txBody>
           </p:sp>
         </mc:Choice>
-        <mc:Fallback>
+        <mc:Fallback xmlns="">
           <p:sp>
             <p:nvSpPr>
               <p:cNvPr id="13" name="TextBox 12">
@@ -10256,8 +10262,8 @@
           </p:sp>
         </mc:Fallback>
       </mc:AlternateContent>
-      <mc:AlternateContent xmlns:mc="http://schemas.openxmlformats.org/markup-compatibility/2006">
-        <mc:Choice xmlns:a14="http://schemas.microsoft.com/office/drawing/2010/main" Requires="a14">
+      <mc:AlternateContent xmlns:mc="http://schemas.openxmlformats.org/markup-compatibility/2006" xmlns:a14="http://schemas.microsoft.com/office/drawing/2010/main">
+        <mc:Choice Requires="a14">
           <p:sp>
             <p:nvSpPr>
               <p:cNvPr id="3" name="TextBox 2">
@@ -10375,13 +10381,7 @@
                         <a:rPr lang="en-US" sz="4000" b="1" i="1" smtClean="0">
                           <a:latin typeface="Cambria Math" panose="02040503050406030204" pitchFamily="18" charset="0"/>
                         </a:rPr>
-                        <m:t>=</m:t>
-                      </m:r>
-                      <m:r>
-                        <a:rPr lang="en-US" sz="4000" b="1" i="1" smtClean="0">
-                          <a:latin typeface="Cambria Math" panose="02040503050406030204" pitchFamily="18" charset="0"/>
-                        </a:rPr>
-                        <m:t> </m:t>
+                        <m:t>= </m:t>
                       </m:r>
                       <m:f>
                         <m:fPr>
@@ -10555,7 +10555,7 @@
             </p:txBody>
           </p:sp>
         </mc:Choice>
-        <mc:Fallback>
+        <mc:Fallback xmlns="">
           <p:sp>
             <p:nvSpPr>
               <p:cNvPr id="3" name="TextBox 2">
@@ -11058,8 +11058,8 @@
             <a:chExt cx="2364894" cy="4357546"/>
           </a:xfrm>
         </p:grpSpPr>
-        <mc:AlternateContent xmlns:mc="http://schemas.openxmlformats.org/markup-compatibility/2006">
-          <mc:Choice xmlns:a14="http://schemas.microsoft.com/office/drawing/2010/main" Requires="a14">
+        <mc:AlternateContent xmlns:mc="http://schemas.openxmlformats.org/markup-compatibility/2006" xmlns:a14="http://schemas.microsoft.com/office/drawing/2010/main">
+          <mc:Choice Requires="a14">
             <p:sp>
               <p:nvSpPr>
                 <p:cNvPr id="9" name="TextBox 8">
@@ -11177,7 +11177,7 @@
               </p:txBody>
             </p:sp>
           </mc:Choice>
-          <mc:Fallback>
+          <mc:Fallback xmlns="">
             <p:sp>
               <p:nvSpPr>
                 <p:cNvPr id="9" name="TextBox 8">
@@ -11223,8 +11223,8 @@
             </p:sp>
           </mc:Fallback>
         </mc:AlternateContent>
-        <mc:AlternateContent xmlns:mc="http://schemas.openxmlformats.org/markup-compatibility/2006">
-          <mc:Choice xmlns:a14="http://schemas.microsoft.com/office/drawing/2010/main" Requires="a14">
+        <mc:AlternateContent xmlns:mc="http://schemas.openxmlformats.org/markup-compatibility/2006" xmlns:a14="http://schemas.microsoft.com/office/drawing/2010/main">
+          <mc:Choice Requires="a14">
             <p:sp>
               <p:nvSpPr>
                 <p:cNvPr id="12" name="TextBox 11">
@@ -11342,7 +11342,7 @@
               </p:txBody>
             </p:sp>
           </mc:Choice>
-          <mc:Fallback>
+          <mc:Fallback xmlns="">
             <p:sp>
               <p:nvSpPr>
                 <p:cNvPr id="12" name="TextBox 11">
@@ -11388,8 +11388,8 @@
             </p:sp>
           </mc:Fallback>
         </mc:AlternateContent>
-        <mc:AlternateContent xmlns:mc="http://schemas.openxmlformats.org/markup-compatibility/2006">
-          <mc:Choice xmlns:a14="http://schemas.microsoft.com/office/drawing/2010/main" Requires="a14">
+        <mc:AlternateContent xmlns:mc="http://schemas.openxmlformats.org/markup-compatibility/2006" xmlns:a14="http://schemas.microsoft.com/office/drawing/2010/main">
+          <mc:Choice Requires="a14">
             <p:sp>
               <p:nvSpPr>
                 <p:cNvPr id="14" name="TextBox 13">
@@ -11507,7 +11507,7 @@
               </p:txBody>
             </p:sp>
           </mc:Choice>
-          <mc:Fallback>
+          <mc:Fallback xmlns="">
             <p:sp>
               <p:nvSpPr>
                 <p:cNvPr id="14" name="TextBox 13">
@@ -11553,8 +11553,8 @@
             </p:sp>
           </mc:Fallback>
         </mc:AlternateContent>
-        <mc:AlternateContent xmlns:mc="http://schemas.openxmlformats.org/markup-compatibility/2006">
-          <mc:Choice xmlns:a14="http://schemas.microsoft.com/office/drawing/2010/main" Requires="a14">
+        <mc:AlternateContent xmlns:mc="http://schemas.openxmlformats.org/markup-compatibility/2006" xmlns:a14="http://schemas.microsoft.com/office/drawing/2010/main">
+          <mc:Choice Requires="a14">
             <p:sp>
               <p:nvSpPr>
                 <p:cNvPr id="15" name="TextBox 14">
@@ -11672,7 +11672,7 @@
               </p:txBody>
             </p:sp>
           </mc:Choice>
-          <mc:Fallback>
+          <mc:Fallback xmlns="">
             <p:sp>
               <p:nvSpPr>
                 <p:cNvPr id="15" name="TextBox 14">
@@ -11718,8 +11718,8 @@
             </p:sp>
           </mc:Fallback>
         </mc:AlternateContent>
-        <mc:AlternateContent xmlns:mc="http://schemas.openxmlformats.org/markup-compatibility/2006">
-          <mc:Choice xmlns:a14="http://schemas.microsoft.com/office/drawing/2010/main" Requires="a14">
+        <mc:AlternateContent xmlns:mc="http://schemas.openxmlformats.org/markup-compatibility/2006" xmlns:a14="http://schemas.microsoft.com/office/drawing/2010/main">
+          <mc:Choice Requires="a14">
             <p:sp>
               <p:nvSpPr>
                 <p:cNvPr id="17" name="TextBox 16">
@@ -11784,7 +11784,7 @@
               </p:txBody>
             </p:sp>
           </mc:Choice>
-          <mc:Fallback>
+          <mc:Fallback xmlns="">
             <p:sp>
               <p:nvSpPr>
                 <p:cNvPr id="17" name="TextBox 16">
@@ -11966,8 +11966,8 @@
           </p:txBody>
         </p:sp>
       </p:grpSp>
-      <mc:AlternateContent xmlns:mc="http://schemas.openxmlformats.org/markup-compatibility/2006">
-        <mc:Choice xmlns:a14="http://schemas.microsoft.com/office/drawing/2010/main" Requires="a14">
+      <mc:AlternateContent xmlns:mc="http://schemas.openxmlformats.org/markup-compatibility/2006" xmlns:a14="http://schemas.microsoft.com/office/drawing/2010/main">
+        <mc:Choice Requires="a14">
           <p:sp>
             <p:nvSpPr>
               <p:cNvPr id="24" name="TextBox 23">
@@ -12081,13 +12081,7 @@
                         <a:rPr lang="en-US" sz="3000" b="1" i="1" smtClean="0">
                           <a:latin typeface="Cambria Math" panose="02040503050406030204" pitchFamily="18" charset="0"/>
                         </a:rPr>
-                        <m:t>=</m:t>
-                      </m:r>
-                      <m:r>
-                        <a:rPr lang="en-US" sz="3000" b="1" i="1" smtClean="0">
-                          <a:latin typeface="Cambria Math" panose="02040503050406030204" pitchFamily="18" charset="0"/>
-                        </a:rPr>
-                        <m:t> </m:t>
+                        <m:t>= </m:t>
                       </m:r>
                       <m:f>
                         <m:fPr>
@@ -12261,7 +12255,7 @@
             </p:txBody>
           </p:sp>
         </mc:Choice>
-        <mc:Fallback>
+        <mc:Fallback xmlns="">
           <p:sp>
             <p:nvSpPr>
               <p:cNvPr id="24" name="TextBox 23">
@@ -12307,8 +12301,8 @@
           </p:sp>
         </mc:Fallback>
       </mc:AlternateContent>
-      <mc:AlternateContent xmlns:mc="http://schemas.openxmlformats.org/markup-compatibility/2006">
-        <mc:Choice xmlns:a14="http://schemas.microsoft.com/office/drawing/2010/main" Requires="a14">
+      <mc:AlternateContent xmlns:mc="http://schemas.openxmlformats.org/markup-compatibility/2006" xmlns:a14="http://schemas.microsoft.com/office/drawing/2010/main">
+        <mc:Choice Requires="a14">
           <p:sp>
             <p:nvSpPr>
               <p:cNvPr id="25" name="TextBox 24">
@@ -12422,13 +12416,7 @@
                         <a:rPr lang="en-US" sz="3000" b="1" i="1" smtClean="0">
                           <a:latin typeface="Cambria Math" panose="02040503050406030204" pitchFamily="18" charset="0"/>
                         </a:rPr>
-                        <m:t>=</m:t>
-                      </m:r>
-                      <m:r>
-                        <a:rPr lang="en-US" sz="3000" b="1" i="1" smtClean="0">
-                          <a:latin typeface="Cambria Math" panose="02040503050406030204" pitchFamily="18" charset="0"/>
-                        </a:rPr>
-                        <m:t> </m:t>
+                        <m:t>= </m:t>
                       </m:r>
                       <m:f>
                         <m:fPr>
@@ -12602,7 +12590,7 @@
             </p:txBody>
           </p:sp>
         </mc:Choice>
-        <mc:Fallback>
+        <mc:Fallback xmlns="">
           <p:sp>
             <p:nvSpPr>
               <p:cNvPr id="25" name="TextBox 24">
@@ -13121,8 +13109,8 @@
           </a:p>
         </p:txBody>
       </p:sp>
-      <mc:AlternateContent xmlns:mc="http://schemas.openxmlformats.org/markup-compatibility/2006">
-        <mc:Choice xmlns:a14="http://schemas.microsoft.com/office/drawing/2010/main" Requires="a14">
+      <mc:AlternateContent xmlns:mc="http://schemas.openxmlformats.org/markup-compatibility/2006" xmlns:a14="http://schemas.microsoft.com/office/drawing/2010/main">
+        <mc:Choice Requires="a14">
           <p:sp>
             <p:nvSpPr>
               <p:cNvPr id="5" name="TextBox 4">
@@ -13191,7 +13179,7 @@
             </p:txBody>
           </p:sp>
         </mc:Choice>
-        <mc:Fallback>
+        <mc:Fallback xmlns="">
           <p:sp>
             <p:nvSpPr>
               <p:cNvPr id="5" name="TextBox 4">
@@ -13268,8 +13256,8 @@
           </a:p>
         </p:txBody>
       </p:sp>
-      <mc:AlternateContent xmlns:mc="http://schemas.openxmlformats.org/markup-compatibility/2006">
-        <mc:Choice xmlns:a14="http://schemas.microsoft.com/office/drawing/2010/main" Requires="a14">
+      <mc:AlternateContent xmlns:mc="http://schemas.openxmlformats.org/markup-compatibility/2006" xmlns:a14="http://schemas.microsoft.com/office/drawing/2010/main">
+        <mc:Choice Requires="a14">
           <p:sp>
             <p:nvSpPr>
               <p:cNvPr id="18" name="TextBox 17">
@@ -13338,7 +13326,7 @@
             </p:txBody>
           </p:sp>
         </mc:Choice>
-        <mc:Fallback>
+        <mc:Fallback xmlns="">
           <p:sp>
             <p:nvSpPr>
               <p:cNvPr id="18" name="TextBox 17">
@@ -13383,8 +13371,8 @@
           </p:sp>
         </mc:Fallback>
       </mc:AlternateContent>
-      <mc:AlternateContent xmlns:mc="http://schemas.openxmlformats.org/markup-compatibility/2006">
-        <mc:Choice xmlns:a14="http://schemas.microsoft.com/office/drawing/2010/main" Requires="a14">
+      <mc:AlternateContent xmlns:mc="http://schemas.openxmlformats.org/markup-compatibility/2006" xmlns:a14="http://schemas.microsoft.com/office/drawing/2010/main">
+        <mc:Choice Requires="a14">
           <p:sp>
             <p:nvSpPr>
               <p:cNvPr id="22" name="TextBox 21">
@@ -13453,7 +13441,7 @@
             </p:txBody>
           </p:sp>
         </mc:Choice>
-        <mc:Fallback>
+        <mc:Fallback xmlns="">
           <p:sp>
             <p:nvSpPr>
               <p:cNvPr id="22" name="TextBox 21">
@@ -13498,8 +13486,8 @@
           </p:sp>
         </mc:Fallback>
       </mc:AlternateContent>
-      <mc:AlternateContent xmlns:mc="http://schemas.openxmlformats.org/markup-compatibility/2006">
-        <mc:Choice xmlns:a14="http://schemas.microsoft.com/office/drawing/2010/main" Requires="a14">
+      <mc:AlternateContent xmlns:mc="http://schemas.openxmlformats.org/markup-compatibility/2006" xmlns:a14="http://schemas.microsoft.com/office/drawing/2010/main">
+        <mc:Choice Requires="a14">
           <p:sp>
             <p:nvSpPr>
               <p:cNvPr id="9" name="TextBox 8">
@@ -13568,7 +13556,7 @@
             </p:txBody>
           </p:sp>
         </mc:Choice>
-        <mc:Fallback>
+        <mc:Fallback xmlns="">
           <p:sp>
             <p:nvSpPr>
               <p:cNvPr id="9" name="TextBox 8">
@@ -13613,8 +13601,8 @@
           </p:sp>
         </mc:Fallback>
       </mc:AlternateContent>
-      <mc:AlternateContent xmlns:mc="http://schemas.openxmlformats.org/markup-compatibility/2006">
-        <mc:Choice xmlns:a14="http://schemas.microsoft.com/office/drawing/2010/main" Requires="a14">
+      <mc:AlternateContent xmlns:mc="http://schemas.openxmlformats.org/markup-compatibility/2006" xmlns:a14="http://schemas.microsoft.com/office/drawing/2010/main">
+        <mc:Choice Requires="a14">
           <p:sp>
             <p:nvSpPr>
               <p:cNvPr id="10" name="TextBox 9">
@@ -13683,7 +13671,7 @@
             </p:txBody>
           </p:sp>
         </mc:Choice>
-        <mc:Fallback>
+        <mc:Fallback xmlns="">
           <p:sp>
             <p:nvSpPr>
               <p:cNvPr id="10" name="TextBox 9">
@@ -13728,8 +13716,8 @@
           </p:sp>
         </mc:Fallback>
       </mc:AlternateContent>
-      <mc:AlternateContent xmlns:mc="http://schemas.openxmlformats.org/markup-compatibility/2006">
-        <mc:Choice xmlns:a14="http://schemas.microsoft.com/office/drawing/2010/main" Requires="a14">
+      <mc:AlternateContent xmlns:mc="http://schemas.openxmlformats.org/markup-compatibility/2006" xmlns:a14="http://schemas.microsoft.com/office/drawing/2010/main">
+        <mc:Choice Requires="a14">
           <p:sp>
             <p:nvSpPr>
               <p:cNvPr id="13" name="TextBox 12">
@@ -13798,7 +13786,7 @@
             </p:txBody>
           </p:sp>
         </mc:Choice>
-        <mc:Fallback>
+        <mc:Fallback xmlns="">
           <p:sp>
             <p:nvSpPr>
               <p:cNvPr id="13" name="TextBox 12">
@@ -13843,8 +13831,8 @@
           </p:sp>
         </mc:Fallback>
       </mc:AlternateContent>
-      <mc:AlternateContent xmlns:mc="http://schemas.openxmlformats.org/markup-compatibility/2006">
-        <mc:Choice xmlns:a14="http://schemas.microsoft.com/office/drawing/2010/main" Requires="a14">
+      <mc:AlternateContent xmlns:mc="http://schemas.openxmlformats.org/markup-compatibility/2006" xmlns:a14="http://schemas.microsoft.com/office/drawing/2010/main">
+        <mc:Choice Requires="a14">
           <p:sp>
             <p:nvSpPr>
               <p:cNvPr id="14" name="TextBox 13">
@@ -13913,7 +13901,7 @@
             </p:txBody>
           </p:sp>
         </mc:Choice>
-        <mc:Fallback>
+        <mc:Fallback xmlns="">
           <p:sp>
             <p:nvSpPr>
               <p:cNvPr id="14" name="TextBox 13">
@@ -14078,8 +14066,8 @@
           </a:fontRef>
         </p:style>
       </p:cxnSp>
-      <mc:AlternateContent xmlns:mc="http://schemas.openxmlformats.org/markup-compatibility/2006">
-        <mc:Choice xmlns:a14="http://schemas.microsoft.com/office/drawing/2010/main" Requires="a14">
+      <mc:AlternateContent xmlns:mc="http://schemas.openxmlformats.org/markup-compatibility/2006" xmlns:a14="http://schemas.microsoft.com/office/drawing/2010/main">
+        <mc:Choice Requires="a14">
           <p:sp>
             <p:nvSpPr>
               <p:cNvPr id="46" name="TextBox 45">
@@ -14148,7 +14136,7 @@
             </p:txBody>
           </p:sp>
         </mc:Choice>
-        <mc:Fallback>
+        <mc:Fallback xmlns="">
           <p:sp>
             <p:nvSpPr>
               <p:cNvPr id="46" name="TextBox 45">
@@ -14233,8 +14221,8 @@
           </a:fontRef>
         </p:style>
       </p:cxnSp>
-      <mc:AlternateContent xmlns:mc="http://schemas.openxmlformats.org/markup-compatibility/2006">
-        <mc:Choice xmlns:a14="http://schemas.microsoft.com/office/drawing/2010/main" Requires="a14">
+      <mc:AlternateContent xmlns:mc="http://schemas.openxmlformats.org/markup-compatibility/2006" xmlns:a14="http://schemas.microsoft.com/office/drawing/2010/main">
+        <mc:Choice Requires="a14">
           <p:sp>
             <p:nvSpPr>
               <p:cNvPr id="50" name="TextBox 49">
@@ -14303,7 +14291,7 @@
             </p:txBody>
           </p:sp>
         </mc:Choice>
-        <mc:Fallback>
+        <mc:Fallback xmlns="">
           <p:sp>
             <p:nvSpPr>
               <p:cNvPr id="50" name="TextBox 49">
@@ -14388,8 +14376,8 @@
           </a:fontRef>
         </p:style>
       </p:cxnSp>
-      <mc:AlternateContent xmlns:mc="http://schemas.openxmlformats.org/markup-compatibility/2006">
-        <mc:Choice xmlns:a14="http://schemas.microsoft.com/office/drawing/2010/main" Requires="a14">
+      <mc:AlternateContent xmlns:mc="http://schemas.openxmlformats.org/markup-compatibility/2006" xmlns:a14="http://schemas.microsoft.com/office/drawing/2010/main">
+        <mc:Choice Requires="a14">
           <p:sp>
             <p:nvSpPr>
               <p:cNvPr id="54" name="TextBox 53">
@@ -14439,7 +14427,7 @@
             </p:txBody>
           </p:sp>
         </mc:Choice>
-        <mc:Fallback>
+        <mc:Fallback xmlns="">
           <p:sp>
             <p:nvSpPr>
               <p:cNvPr id="54" name="TextBox 53">
@@ -14524,8 +14512,8 @@
           </a:fontRef>
         </p:style>
       </p:cxnSp>
-      <mc:AlternateContent xmlns:mc="http://schemas.openxmlformats.org/markup-compatibility/2006">
-        <mc:Choice xmlns:a14="http://schemas.microsoft.com/office/drawing/2010/main" Requires="a14">
+      <mc:AlternateContent xmlns:mc="http://schemas.openxmlformats.org/markup-compatibility/2006" xmlns:a14="http://schemas.microsoft.com/office/drawing/2010/main">
+        <mc:Choice Requires="a14">
           <p:sp>
             <p:nvSpPr>
               <p:cNvPr id="2" name="TextBox 1">
@@ -14594,7 +14582,7 @@
             </p:txBody>
           </p:sp>
         </mc:Choice>
-        <mc:Fallback>
+        <mc:Fallback xmlns="">
           <p:sp>
             <p:nvSpPr>
               <p:cNvPr id="2" name="TextBox 1">
@@ -14639,8 +14627,8 @@
           </p:sp>
         </mc:Fallback>
       </mc:AlternateContent>
-      <mc:AlternateContent xmlns:mc="http://schemas.openxmlformats.org/markup-compatibility/2006">
-        <mc:Choice xmlns:a14="http://schemas.microsoft.com/office/drawing/2010/main" Requires="a14">
+      <mc:AlternateContent xmlns:mc="http://schemas.openxmlformats.org/markup-compatibility/2006" xmlns:a14="http://schemas.microsoft.com/office/drawing/2010/main">
+        <mc:Choice Requires="a14">
           <p:sp>
             <p:nvSpPr>
               <p:cNvPr id="3" name="TextBox 2">
@@ -14709,7 +14697,7 @@
             </p:txBody>
           </p:sp>
         </mc:Choice>
-        <mc:Fallback>
+        <mc:Fallback xmlns="">
           <p:sp>
             <p:nvSpPr>
               <p:cNvPr id="3" name="TextBox 2">
@@ -14754,8 +14742,8 @@
           </p:sp>
         </mc:Fallback>
       </mc:AlternateContent>
-      <mc:AlternateContent xmlns:mc="http://schemas.openxmlformats.org/markup-compatibility/2006">
-        <mc:Choice xmlns:a14="http://schemas.microsoft.com/office/drawing/2010/main" Requires="a14">
+      <mc:AlternateContent xmlns:mc="http://schemas.openxmlformats.org/markup-compatibility/2006" xmlns:a14="http://schemas.microsoft.com/office/drawing/2010/main">
+        <mc:Choice Requires="a14">
           <p:sp>
             <p:nvSpPr>
               <p:cNvPr id="6" name="TextBox 5">
@@ -14824,7 +14812,7 @@
             </p:txBody>
           </p:sp>
         </mc:Choice>
-        <mc:Fallback>
+        <mc:Fallback xmlns="">
           <p:sp>
             <p:nvSpPr>
               <p:cNvPr id="6" name="TextBox 5">
@@ -14869,8 +14857,8 @@
           </p:sp>
         </mc:Fallback>
       </mc:AlternateContent>
-      <mc:AlternateContent xmlns:mc="http://schemas.openxmlformats.org/markup-compatibility/2006">
-        <mc:Choice xmlns:a14="http://schemas.microsoft.com/office/drawing/2010/main" Requires="a14">
+      <mc:AlternateContent xmlns:mc="http://schemas.openxmlformats.org/markup-compatibility/2006" xmlns:a14="http://schemas.microsoft.com/office/drawing/2010/main">
+        <mc:Choice Requires="a14">
           <p:sp>
             <p:nvSpPr>
               <p:cNvPr id="8" name="TextBox 7">
@@ -14939,7 +14927,7 @@
             </p:txBody>
           </p:sp>
         </mc:Choice>
-        <mc:Fallback>
+        <mc:Fallback xmlns="">
           <p:sp>
             <p:nvSpPr>
               <p:cNvPr id="8" name="TextBox 7">
@@ -15237,8 +15225,8 @@
           </a:fontRef>
         </p:style>
       </p:cxnSp>
-      <mc:AlternateContent xmlns:mc="http://schemas.openxmlformats.org/markup-compatibility/2006">
-        <mc:Choice xmlns:a14="http://schemas.microsoft.com/office/drawing/2010/main" Requires="a14">
+      <mc:AlternateContent xmlns:mc="http://schemas.openxmlformats.org/markup-compatibility/2006" xmlns:a14="http://schemas.microsoft.com/office/drawing/2010/main">
+        <mc:Choice Requires="a14">
           <p:sp>
             <p:nvSpPr>
               <p:cNvPr id="39" name="TextBox 38">
@@ -15307,7 +15295,7 @@
             </p:txBody>
           </p:sp>
         </mc:Choice>
-        <mc:Fallback>
+        <mc:Fallback xmlns="">
           <p:sp>
             <p:nvSpPr>
               <p:cNvPr id="39" name="TextBox 38">
@@ -15352,8 +15340,8 @@
           </p:sp>
         </mc:Fallback>
       </mc:AlternateContent>
-      <mc:AlternateContent xmlns:mc="http://schemas.openxmlformats.org/markup-compatibility/2006">
-        <mc:Choice xmlns:a14="http://schemas.microsoft.com/office/drawing/2010/main" Requires="a14">
+      <mc:AlternateContent xmlns:mc="http://schemas.openxmlformats.org/markup-compatibility/2006" xmlns:a14="http://schemas.microsoft.com/office/drawing/2010/main">
+        <mc:Choice Requires="a14">
           <p:sp>
             <p:nvSpPr>
               <p:cNvPr id="45" name="TextBox 44">
@@ -15422,7 +15410,7 @@
             </p:txBody>
           </p:sp>
         </mc:Choice>
-        <mc:Fallback>
+        <mc:Fallback xmlns="">
           <p:sp>
             <p:nvSpPr>
               <p:cNvPr id="45" name="TextBox 44">
@@ -16164,8 +16152,8 @@
             <a:chExt cx="7023065" cy="1041975"/>
           </a:xfrm>
         </p:grpSpPr>
-        <mc:AlternateContent xmlns:mc="http://schemas.openxmlformats.org/markup-compatibility/2006">
-          <mc:Choice xmlns:a14="http://schemas.microsoft.com/office/drawing/2010/main" Requires="a14">
+        <mc:AlternateContent xmlns:mc="http://schemas.openxmlformats.org/markup-compatibility/2006" xmlns:a14="http://schemas.microsoft.com/office/drawing/2010/main">
+          <mc:Choice Requires="a14">
             <p:sp>
               <p:nvSpPr>
                 <p:cNvPr id="10" name="TextBox 9">
@@ -16194,6 +16182,7 @@
                 </a:bodyPr>
                 <a:lstStyle/>
                 <a:p>
+                  <a:pPr/>
                   <a14:m>
                     <m:oMathPara xmlns:m="http://schemas.openxmlformats.org/officeDocument/2006/math">
                       <m:oMathParaPr>
@@ -16233,7 +16222,7 @@
               </p:txBody>
             </p:sp>
           </mc:Choice>
-          <mc:Fallback>
+          <mc:Fallback xmlns="">
             <p:sp>
               <p:nvSpPr>
                 <p:cNvPr id="10" name="TextBox 9">
@@ -16278,8 +16267,8 @@
             </p:sp>
           </mc:Fallback>
         </mc:AlternateContent>
-        <mc:AlternateContent xmlns:mc="http://schemas.openxmlformats.org/markup-compatibility/2006">
-          <mc:Choice xmlns:a14="http://schemas.microsoft.com/office/drawing/2010/main" Requires="a14">
+        <mc:AlternateContent xmlns:mc="http://schemas.openxmlformats.org/markup-compatibility/2006" xmlns:a14="http://schemas.microsoft.com/office/drawing/2010/main">
+          <mc:Choice Requires="a14">
             <p:sp>
               <p:nvSpPr>
                 <p:cNvPr id="11" name="TextBox 10">
@@ -16308,6 +16297,7 @@
                 </a:bodyPr>
                 <a:lstStyle/>
                 <a:p>
+                  <a:pPr/>
                   <a14:m>
                     <m:oMathPara xmlns:m="http://schemas.openxmlformats.org/officeDocument/2006/math">
                       <m:oMathParaPr>
@@ -16347,7 +16337,7 @@
               </p:txBody>
             </p:sp>
           </mc:Choice>
-          <mc:Fallback>
+          <mc:Fallback xmlns="">
             <p:sp>
               <p:nvSpPr>
                 <p:cNvPr id="11" name="TextBox 10">
@@ -16392,8 +16382,8 @@
             </p:sp>
           </mc:Fallback>
         </mc:AlternateContent>
-        <mc:AlternateContent xmlns:mc="http://schemas.openxmlformats.org/markup-compatibility/2006">
-          <mc:Choice xmlns:a14="http://schemas.microsoft.com/office/drawing/2010/main" Requires="a14">
+        <mc:AlternateContent xmlns:mc="http://schemas.openxmlformats.org/markup-compatibility/2006" xmlns:a14="http://schemas.microsoft.com/office/drawing/2010/main">
+          <mc:Choice Requires="a14">
             <p:sp>
               <p:nvSpPr>
                 <p:cNvPr id="33" name="TextBox 32">
@@ -16462,7 +16452,7 @@
               </p:txBody>
             </p:sp>
           </mc:Choice>
-          <mc:Fallback>
+          <mc:Fallback xmlns="">
             <p:sp>
               <p:nvSpPr>
                 <p:cNvPr id="33" name="TextBox 32">
@@ -16508,8 +16498,8 @@
           </mc:Fallback>
         </mc:AlternateContent>
       </p:grpSp>
-      <mc:AlternateContent xmlns:mc="http://schemas.openxmlformats.org/markup-compatibility/2006">
-        <mc:Choice xmlns:a14="http://schemas.microsoft.com/office/drawing/2010/main" Requires="a14">
+      <mc:AlternateContent xmlns:mc="http://schemas.openxmlformats.org/markup-compatibility/2006" xmlns:a14="http://schemas.microsoft.com/office/drawing/2010/main">
+        <mc:Choice Requires="a14">
           <p:sp>
             <p:nvSpPr>
               <p:cNvPr id="36" name="TextBox 35">
@@ -16650,7 +16640,7 @@
             </p:txBody>
           </p:sp>
         </mc:Choice>
-        <mc:Fallback>
+        <mc:Fallback xmlns="">
           <p:sp>
             <p:nvSpPr>
               <p:cNvPr id="36" name="TextBox 35">
@@ -16993,8 +16983,8 @@
           </a:fontRef>
         </p:style>
       </p:cxnSp>
-      <mc:AlternateContent xmlns:mc="http://schemas.openxmlformats.org/markup-compatibility/2006">
-        <mc:Choice xmlns:a14="http://schemas.microsoft.com/office/drawing/2010/main" Requires="a14">
+      <mc:AlternateContent xmlns:mc="http://schemas.openxmlformats.org/markup-compatibility/2006" xmlns:a14="http://schemas.microsoft.com/office/drawing/2010/main">
+        <mc:Choice Requires="a14">
           <p:sp>
             <p:nvSpPr>
               <p:cNvPr id="10" name="TextBox 9">
@@ -17023,6 +17013,7 @@
               </a:bodyPr>
               <a:lstStyle/>
               <a:p>
+                <a:pPr/>
                 <a14:m>
                   <m:oMathPara xmlns:m="http://schemas.openxmlformats.org/officeDocument/2006/math">
                     <m:oMathParaPr>
@@ -17065,7 +17056,7 @@
             </p:txBody>
           </p:sp>
         </mc:Choice>
-        <mc:Fallback>
+        <mc:Fallback xmlns="">
           <p:sp>
             <p:nvSpPr>
               <p:cNvPr id="10" name="TextBox 9">
@@ -17110,8 +17101,8 @@
           </p:sp>
         </mc:Fallback>
       </mc:AlternateContent>
-      <mc:AlternateContent xmlns:mc="http://schemas.openxmlformats.org/markup-compatibility/2006">
-        <mc:Choice xmlns:a14="http://schemas.microsoft.com/office/drawing/2010/main" Requires="a14">
+      <mc:AlternateContent xmlns:mc="http://schemas.openxmlformats.org/markup-compatibility/2006" xmlns:a14="http://schemas.microsoft.com/office/drawing/2010/main">
+        <mc:Choice Requires="a14">
           <p:sp>
             <p:nvSpPr>
               <p:cNvPr id="11" name="TextBox 10">
@@ -17178,7 +17169,7 @@
             </p:txBody>
           </p:sp>
         </mc:Choice>
-        <mc:Fallback>
+        <mc:Fallback xmlns="">
           <p:sp>
             <p:nvSpPr>
               <p:cNvPr id="11" name="TextBox 10">
@@ -17223,8 +17214,8 @@
           </p:sp>
         </mc:Fallback>
       </mc:AlternateContent>
-      <mc:AlternateContent xmlns:mc="http://schemas.openxmlformats.org/markup-compatibility/2006">
-        <mc:Choice xmlns:a14="http://schemas.microsoft.com/office/drawing/2010/main" Requires="a14">
+      <mc:AlternateContent xmlns:mc="http://schemas.openxmlformats.org/markup-compatibility/2006" xmlns:a14="http://schemas.microsoft.com/office/drawing/2010/main">
+        <mc:Choice Requires="a14">
           <p:sp>
             <p:nvSpPr>
               <p:cNvPr id="33" name="TextBox 32">
@@ -17253,6 +17244,7 @@
               </a:bodyPr>
               <a:lstStyle/>
               <a:p>
+                <a:pPr/>
                 <a14:m>
                   <m:oMathPara xmlns:m="http://schemas.openxmlformats.org/officeDocument/2006/math">
                     <m:oMathParaPr>
@@ -17292,7 +17284,7 @@
             </p:txBody>
           </p:sp>
         </mc:Choice>
-        <mc:Fallback>
+        <mc:Fallback xmlns="">
           <p:sp>
             <p:nvSpPr>
               <p:cNvPr id="33" name="TextBox 32">
@@ -17337,8 +17329,8 @@
           </p:sp>
         </mc:Fallback>
       </mc:AlternateContent>
-      <mc:AlternateContent xmlns:mc="http://schemas.openxmlformats.org/markup-compatibility/2006">
-        <mc:Choice xmlns:a14="http://schemas.microsoft.com/office/drawing/2010/main" Requires="a14">
+      <mc:AlternateContent xmlns:mc="http://schemas.openxmlformats.org/markup-compatibility/2006" xmlns:a14="http://schemas.microsoft.com/office/drawing/2010/main">
+        <mc:Choice Requires="a14">
           <p:sp>
             <p:nvSpPr>
               <p:cNvPr id="36" name="TextBox 35">
@@ -17447,7 +17439,7 @@
             </p:txBody>
           </p:sp>
         </mc:Choice>
-        <mc:Fallback>
+        <mc:Fallback xmlns="">
           <p:sp>
             <p:nvSpPr>
               <p:cNvPr id="36" name="TextBox 35">
@@ -17492,8 +17484,8 @@
           </p:sp>
         </mc:Fallback>
       </mc:AlternateContent>
-      <mc:AlternateContent xmlns:mc="http://schemas.openxmlformats.org/markup-compatibility/2006">
-        <mc:Choice xmlns:a14="http://schemas.microsoft.com/office/drawing/2010/main" Requires="a14">
+      <mc:AlternateContent xmlns:mc="http://schemas.openxmlformats.org/markup-compatibility/2006" xmlns:a14="http://schemas.microsoft.com/office/drawing/2010/main">
+        <mc:Choice Requires="a14">
           <p:sp>
             <p:nvSpPr>
               <p:cNvPr id="2" name="TextBox 1">
@@ -17573,7 +17565,7 @@
             </p:txBody>
           </p:sp>
         </mc:Choice>
-        <mc:Fallback>
+        <mc:Fallback xmlns="">
           <p:sp>
             <p:nvSpPr>
               <p:cNvPr id="2" name="TextBox 1">
@@ -17971,8 +17963,8 @@
           </a:fontRef>
         </p:style>
       </p:cxnSp>
-      <mc:AlternateContent xmlns:mc="http://schemas.openxmlformats.org/markup-compatibility/2006">
-        <mc:Choice xmlns:a14="http://schemas.microsoft.com/office/drawing/2010/main" Requires="a14">
+      <mc:AlternateContent xmlns:mc="http://schemas.openxmlformats.org/markup-compatibility/2006" xmlns:a14="http://schemas.microsoft.com/office/drawing/2010/main">
+        <mc:Choice Requires="a14">
           <p:sp>
             <p:nvSpPr>
               <p:cNvPr id="10" name="TextBox 9">
@@ -18001,6 +17993,7 @@
               </a:bodyPr>
               <a:lstStyle/>
               <a:p>
+                <a:pPr/>
                 <a14:m>
                   <m:oMathPara xmlns:m="http://schemas.openxmlformats.org/officeDocument/2006/math">
                     <m:oMathParaPr>
@@ -18040,7 +18033,7 @@
             </p:txBody>
           </p:sp>
         </mc:Choice>
-        <mc:Fallback>
+        <mc:Fallback xmlns="">
           <p:sp>
             <p:nvSpPr>
               <p:cNvPr id="10" name="TextBox 9">
@@ -18085,8 +18078,8 @@
           </p:sp>
         </mc:Fallback>
       </mc:AlternateContent>
-      <mc:AlternateContent xmlns:mc="http://schemas.openxmlformats.org/markup-compatibility/2006">
-        <mc:Choice xmlns:a14="http://schemas.microsoft.com/office/drawing/2010/main" Requires="a14">
+      <mc:AlternateContent xmlns:mc="http://schemas.openxmlformats.org/markup-compatibility/2006" xmlns:a14="http://schemas.microsoft.com/office/drawing/2010/main">
+        <mc:Choice Requires="a14">
           <p:sp>
             <p:nvSpPr>
               <p:cNvPr id="11" name="TextBox 10">
@@ -18153,7 +18146,7 @@
             </p:txBody>
           </p:sp>
         </mc:Choice>
-        <mc:Fallback>
+        <mc:Fallback xmlns="">
           <p:sp>
             <p:nvSpPr>
               <p:cNvPr id="11" name="TextBox 10">
@@ -18198,8 +18191,8 @@
           </p:sp>
         </mc:Fallback>
       </mc:AlternateContent>
-      <mc:AlternateContent xmlns:mc="http://schemas.openxmlformats.org/markup-compatibility/2006">
-        <mc:Choice xmlns:a14="http://schemas.microsoft.com/office/drawing/2010/main" Requires="a14">
+      <mc:AlternateContent xmlns:mc="http://schemas.openxmlformats.org/markup-compatibility/2006" xmlns:a14="http://schemas.microsoft.com/office/drawing/2010/main">
+        <mc:Choice Requires="a14">
           <p:sp>
             <p:nvSpPr>
               <p:cNvPr id="33" name="TextBox 32">
@@ -18268,7 +18261,7 @@
             </p:txBody>
           </p:sp>
         </mc:Choice>
-        <mc:Fallback>
+        <mc:Fallback xmlns="">
           <p:sp>
             <p:nvSpPr>
               <p:cNvPr id="33" name="TextBox 32">
@@ -18313,8 +18306,8 @@
           </p:sp>
         </mc:Fallback>
       </mc:AlternateContent>
-      <mc:AlternateContent xmlns:mc="http://schemas.openxmlformats.org/markup-compatibility/2006">
-        <mc:Choice xmlns:a14="http://schemas.microsoft.com/office/drawing/2010/main" Requires="a14">
+      <mc:AlternateContent xmlns:mc="http://schemas.openxmlformats.org/markup-compatibility/2006" xmlns:a14="http://schemas.microsoft.com/office/drawing/2010/main">
+        <mc:Choice Requires="a14">
           <p:sp>
             <p:nvSpPr>
               <p:cNvPr id="36" name="TextBox 35">
@@ -18387,7 +18380,7 @@
             </p:txBody>
           </p:sp>
         </mc:Choice>
-        <mc:Fallback>
+        <mc:Fallback xmlns="">
           <p:sp>
             <p:nvSpPr>
               <p:cNvPr id="36" name="TextBox 35">
@@ -18432,8 +18425,8 @@
           </p:sp>
         </mc:Fallback>
       </mc:AlternateContent>
-      <mc:AlternateContent xmlns:mc="http://schemas.openxmlformats.org/markup-compatibility/2006">
-        <mc:Choice xmlns:a14="http://schemas.microsoft.com/office/drawing/2010/main" Requires="a14">
+      <mc:AlternateContent xmlns:mc="http://schemas.openxmlformats.org/markup-compatibility/2006" xmlns:a14="http://schemas.microsoft.com/office/drawing/2010/main">
+        <mc:Choice Requires="a14">
           <p:graphicFrame>
             <p:nvGraphicFramePr>
               <p:cNvPr id="3" name="Table 2">
@@ -18585,7 +18578,7 @@
             </a:graphic>
           </p:graphicFrame>
         </mc:Choice>
-        <mc:Fallback>
+        <mc:Fallback xmlns="">
           <p:graphicFrame>
             <p:nvGraphicFramePr>
               <p:cNvPr id="3" name="Table 2">
@@ -18711,8 +18704,8 @@
           </p:graphicFrame>
         </mc:Fallback>
       </mc:AlternateContent>
-      <mc:AlternateContent xmlns:mc="http://schemas.openxmlformats.org/markup-compatibility/2006">
-        <mc:Choice xmlns:a14="http://schemas.microsoft.com/office/drawing/2010/main" Requires="a14">
+      <mc:AlternateContent xmlns:mc="http://schemas.openxmlformats.org/markup-compatibility/2006" xmlns:a14="http://schemas.microsoft.com/office/drawing/2010/main">
+        <mc:Choice Requires="a14">
           <p:sp>
             <p:nvSpPr>
               <p:cNvPr id="7" name="TextBox 6">
@@ -18810,7 +18803,7 @@
             </p:txBody>
           </p:sp>
         </mc:Choice>
-        <mc:Fallback>
+        <mc:Fallback xmlns="">
           <p:sp>
             <p:nvSpPr>
               <p:cNvPr id="7" name="TextBox 6">
@@ -19207,8 +19200,8 @@
           </a:fontRef>
         </p:style>
       </p:cxnSp>
-      <mc:AlternateContent xmlns:mc="http://schemas.openxmlformats.org/markup-compatibility/2006">
-        <mc:Choice xmlns:a14="http://schemas.microsoft.com/office/drawing/2010/main" Requires="a14">
+      <mc:AlternateContent xmlns:mc="http://schemas.openxmlformats.org/markup-compatibility/2006" xmlns:a14="http://schemas.microsoft.com/office/drawing/2010/main">
+        <mc:Choice Requires="a14">
           <p:sp>
             <p:nvSpPr>
               <p:cNvPr id="10" name="TextBox 9">
@@ -19237,6 +19230,7 @@
               </a:bodyPr>
               <a:lstStyle/>
               <a:p>
+                <a:pPr/>
                 <a14:m>
                   <m:oMathPara xmlns:m="http://schemas.openxmlformats.org/officeDocument/2006/math">
                     <m:oMathParaPr>
@@ -19276,7 +19270,7 @@
             </p:txBody>
           </p:sp>
         </mc:Choice>
-        <mc:Fallback>
+        <mc:Fallback xmlns="">
           <p:sp>
             <p:nvSpPr>
               <p:cNvPr id="10" name="TextBox 9">
@@ -19321,8 +19315,8 @@
           </p:sp>
         </mc:Fallback>
       </mc:AlternateContent>
-      <mc:AlternateContent xmlns:mc="http://schemas.openxmlformats.org/markup-compatibility/2006">
-        <mc:Choice xmlns:a14="http://schemas.microsoft.com/office/drawing/2010/main" Requires="a14">
+      <mc:AlternateContent xmlns:mc="http://schemas.openxmlformats.org/markup-compatibility/2006" xmlns:a14="http://schemas.microsoft.com/office/drawing/2010/main">
+        <mc:Choice Requires="a14">
           <p:sp>
             <p:nvSpPr>
               <p:cNvPr id="11" name="TextBox 10">
@@ -19389,7 +19383,7 @@
             </p:txBody>
           </p:sp>
         </mc:Choice>
-        <mc:Fallback>
+        <mc:Fallback xmlns="">
           <p:sp>
             <p:nvSpPr>
               <p:cNvPr id="11" name="TextBox 10">
@@ -19434,8 +19428,8 @@
           </p:sp>
         </mc:Fallback>
       </mc:AlternateContent>
-      <mc:AlternateContent xmlns:mc="http://schemas.openxmlformats.org/markup-compatibility/2006">
-        <mc:Choice xmlns:a14="http://schemas.microsoft.com/office/drawing/2010/main" Requires="a14">
+      <mc:AlternateContent xmlns:mc="http://schemas.openxmlformats.org/markup-compatibility/2006" xmlns:a14="http://schemas.microsoft.com/office/drawing/2010/main">
+        <mc:Choice Requires="a14">
           <p:sp>
             <p:nvSpPr>
               <p:cNvPr id="33" name="TextBox 32">
@@ -19504,7 +19498,7 @@
             </p:txBody>
           </p:sp>
         </mc:Choice>
-        <mc:Fallback>
+        <mc:Fallback xmlns="">
           <p:sp>
             <p:nvSpPr>
               <p:cNvPr id="33" name="TextBox 32">
@@ -19549,8 +19543,8 @@
           </p:sp>
         </mc:Fallback>
       </mc:AlternateContent>
-      <mc:AlternateContent xmlns:mc="http://schemas.openxmlformats.org/markup-compatibility/2006">
-        <mc:Choice xmlns:a14="http://schemas.microsoft.com/office/drawing/2010/main" Requires="a14">
+      <mc:AlternateContent xmlns:mc="http://schemas.openxmlformats.org/markup-compatibility/2006" xmlns:a14="http://schemas.microsoft.com/office/drawing/2010/main">
+        <mc:Choice Requires="a14">
           <p:sp>
             <p:nvSpPr>
               <p:cNvPr id="36" name="TextBox 35">
@@ -19623,7 +19617,7 @@
             </p:txBody>
           </p:sp>
         </mc:Choice>
-        <mc:Fallback>
+        <mc:Fallback xmlns="">
           <p:sp>
             <p:nvSpPr>
               <p:cNvPr id="36" name="TextBox 35">
@@ -19685,7 +19679,7 @@
               <p:nvPr>
                 <p:extLst>
                   <p:ext uri="{D42A27DB-BD31-4B8C-83A1-F6EECF244321}">
-                    <p14:modId xmlns:p14="http://schemas.microsoft.com/office/powerpoint/2010/main" val="2615272719"/>
+                    <p14:modId xmlns:p14="http://schemas.microsoft.com/office/powerpoint/2010/main" val="481207058"/>
                   </p:ext>
                 </p:extLst>
               </p:nvPr>
@@ -19739,10 +19733,10 @@
                                   </m:sSubPr>
                                   <m:e>
                                     <m:r>
-                                      <a:rPr lang="en-US" sz="1800" b="1" i="1">
+                                      <a:rPr lang="en-GB" sz="1800" b="1" i="1" smtClean="0">
                                         <a:latin typeface="Cambria Math" panose="02040503050406030204" pitchFamily="18" charset="0"/>
                                       </a:rPr>
-                                      <m:t>𝒂</m:t>
+                                      <m:t>𝒛</m:t>
                                     </m:r>
                                   </m:e>
                                   <m:sub>
@@ -19838,7 +19832,7 @@
               <p:nvPr>
                 <p:extLst>
                   <p:ext uri="{D42A27DB-BD31-4B8C-83A1-F6EECF244321}">
-                    <p14:modId xmlns:p14="http://schemas.microsoft.com/office/powerpoint/2010/main" val="2615272719"/>
+                    <p14:modId xmlns:p14="http://schemas.microsoft.com/office/powerpoint/2010/main" val="481207058"/>
                   </p:ext>
                 </p:extLst>
               </p:nvPr>
@@ -19882,7 +19876,7 @@
                         <a:blipFill>
                           <a:blip r:embed="rId7"/>
                           <a:stretch>
-                            <a:fillRect t="-8197" r="-100271" b="-124590"/>
+                            <a:fillRect l="-565" t="-6667" r="-100565" b="-123333"/>
                           </a:stretch>
                         </a:blipFill>
                       </a:tcPr>
@@ -19948,8 +19942,8 @@
           </p:graphicFrame>
         </mc:Fallback>
       </mc:AlternateContent>
-      <mc:AlternateContent xmlns:mc="http://schemas.openxmlformats.org/markup-compatibility/2006">
-        <mc:Choice xmlns:a14="http://schemas.microsoft.com/office/drawing/2010/main" Requires="a14">
+      <mc:AlternateContent xmlns:mc="http://schemas.openxmlformats.org/markup-compatibility/2006" xmlns:a14="http://schemas.microsoft.com/office/drawing/2010/main">
+        <mc:Choice Requires="a14">
           <p:sp>
             <p:nvSpPr>
               <p:cNvPr id="4" name="TextBox 3">
@@ -20028,7 +20022,7 @@
             </p:txBody>
           </p:sp>
         </mc:Choice>
-        <mc:Fallback>
+        <mc:Fallback xmlns="">
           <p:sp>
             <p:nvSpPr>
               <p:cNvPr id="4" name="TextBox 3">
@@ -20073,8 +20067,8 @@
           </p:sp>
         </mc:Fallback>
       </mc:AlternateContent>
-      <mc:AlternateContent xmlns:mc="http://schemas.openxmlformats.org/markup-compatibility/2006">
-        <mc:Choice xmlns:a14="http://schemas.microsoft.com/office/drawing/2010/main" Requires="a14">
+      <mc:AlternateContent xmlns:mc="http://schemas.openxmlformats.org/markup-compatibility/2006" xmlns:a14="http://schemas.microsoft.com/office/drawing/2010/main">
+        <mc:Choice Requires="a14">
           <p:graphicFrame>
             <p:nvGraphicFramePr>
               <p:cNvPr id="2" name="Table 1">
@@ -20251,7 +20245,7 @@
             </a:graphic>
           </p:graphicFrame>
         </mc:Choice>
-        <mc:Fallback>
+        <mc:Fallback xmlns="">
           <p:graphicFrame>
             <p:nvGraphicFramePr>
               <p:cNvPr id="2" name="Table 1">
@@ -20634,8 +20628,8 @@
           </a:fontRef>
         </p:style>
       </p:cxnSp>
-      <mc:AlternateContent xmlns:mc="http://schemas.openxmlformats.org/markup-compatibility/2006">
-        <mc:Choice xmlns:a14="http://schemas.microsoft.com/office/drawing/2010/main" Requires="a14">
+      <mc:AlternateContent xmlns:mc="http://schemas.openxmlformats.org/markup-compatibility/2006" xmlns:a14="http://schemas.microsoft.com/office/drawing/2010/main">
+        <mc:Choice Requires="a14">
           <p:sp>
             <p:nvSpPr>
               <p:cNvPr id="10" name="TextBox 9">
@@ -20704,7 +20698,7 @@
             </p:txBody>
           </p:sp>
         </mc:Choice>
-        <mc:Fallback>
+        <mc:Fallback xmlns="">
           <p:sp>
             <p:nvSpPr>
               <p:cNvPr id="10" name="TextBox 9">
@@ -20749,8 +20743,8 @@
           </p:sp>
         </mc:Fallback>
       </mc:AlternateContent>
-      <mc:AlternateContent xmlns:mc="http://schemas.openxmlformats.org/markup-compatibility/2006">
-        <mc:Choice xmlns:a14="http://schemas.microsoft.com/office/drawing/2010/main" Requires="a14">
+      <mc:AlternateContent xmlns:mc="http://schemas.openxmlformats.org/markup-compatibility/2006" xmlns:a14="http://schemas.microsoft.com/office/drawing/2010/main">
+        <mc:Choice Requires="a14">
           <p:sp>
             <p:nvSpPr>
               <p:cNvPr id="11" name="TextBox 10">
@@ -20817,7 +20811,7 @@
             </p:txBody>
           </p:sp>
         </mc:Choice>
-        <mc:Fallback>
+        <mc:Fallback xmlns="">
           <p:sp>
             <p:nvSpPr>
               <p:cNvPr id="11" name="TextBox 10">
@@ -20862,8 +20856,8 @@
           </p:sp>
         </mc:Fallback>
       </mc:AlternateContent>
-      <mc:AlternateContent xmlns:mc="http://schemas.openxmlformats.org/markup-compatibility/2006">
-        <mc:Choice xmlns:a14="http://schemas.microsoft.com/office/drawing/2010/main" Requires="a14">
+      <mc:AlternateContent xmlns:mc="http://schemas.openxmlformats.org/markup-compatibility/2006" xmlns:a14="http://schemas.microsoft.com/office/drawing/2010/main">
+        <mc:Choice Requires="a14">
           <p:sp>
             <p:nvSpPr>
               <p:cNvPr id="33" name="TextBox 32">
@@ -20932,7 +20926,7 @@
             </p:txBody>
           </p:sp>
         </mc:Choice>
-        <mc:Fallback>
+        <mc:Fallback xmlns="">
           <p:sp>
             <p:nvSpPr>
               <p:cNvPr id="33" name="TextBox 32">
@@ -21037,8 +21031,8 @@
           </a:p>
         </p:txBody>
       </p:sp>
-      <mc:AlternateContent xmlns:mc="http://schemas.openxmlformats.org/markup-compatibility/2006">
-        <mc:Choice xmlns:a14="http://schemas.microsoft.com/office/drawing/2010/main" Requires="a14">
+      <mc:AlternateContent xmlns:mc="http://schemas.openxmlformats.org/markup-compatibility/2006" xmlns:a14="http://schemas.microsoft.com/office/drawing/2010/main">
+        <mc:Choice Requires="a14">
           <p:sp>
             <p:nvSpPr>
               <p:cNvPr id="7" name="TextBox 6">
@@ -21171,7 +21165,7 @@
             </p:txBody>
           </p:sp>
         </mc:Choice>
-        <mc:Fallback>
+        <mc:Fallback xmlns="">
           <p:sp>
             <p:nvSpPr>
               <p:cNvPr id="7" name="TextBox 6">
@@ -21216,8 +21210,8 @@
           </p:sp>
         </mc:Fallback>
       </mc:AlternateContent>
-      <mc:AlternateContent xmlns:mc="http://schemas.openxmlformats.org/markup-compatibility/2006">
-        <mc:Choice xmlns:a14="http://schemas.microsoft.com/office/drawing/2010/main" Requires="a14">
+      <mc:AlternateContent xmlns:mc="http://schemas.openxmlformats.org/markup-compatibility/2006" xmlns:a14="http://schemas.microsoft.com/office/drawing/2010/main">
+        <mc:Choice Requires="a14">
           <p:sp>
             <p:nvSpPr>
               <p:cNvPr id="8" name="TextBox 7">
@@ -21360,7 +21354,7 @@
             </p:txBody>
           </p:sp>
         </mc:Choice>
-        <mc:Fallback>
+        <mc:Fallback xmlns="">
           <p:sp>
             <p:nvSpPr>
               <p:cNvPr id="8" name="TextBox 7">
@@ -21405,8 +21399,8 @@
           </p:sp>
         </mc:Fallback>
       </mc:AlternateContent>
-      <mc:AlternateContent xmlns:mc="http://schemas.openxmlformats.org/markup-compatibility/2006">
-        <mc:Choice xmlns:a14="http://schemas.microsoft.com/office/drawing/2010/main" Requires="a14">
+      <mc:AlternateContent xmlns:mc="http://schemas.openxmlformats.org/markup-compatibility/2006" xmlns:a14="http://schemas.microsoft.com/office/drawing/2010/main">
+        <mc:Choice Requires="a14">
           <p:graphicFrame>
             <p:nvGraphicFramePr>
               <p:cNvPr id="9" name="Table 8">
@@ -21581,7 +21575,7 @@
             </a:graphic>
           </p:graphicFrame>
         </mc:Choice>
-        <mc:Fallback>
+        <mc:Fallback xmlns="">
           <p:graphicFrame>
             <p:nvGraphicFramePr>
               <p:cNvPr id="9" name="Table 8">
@@ -21711,8 +21705,8 @@
           </p:graphicFrame>
         </mc:Fallback>
       </mc:AlternateContent>
-      <mc:AlternateContent xmlns:mc="http://schemas.openxmlformats.org/markup-compatibility/2006">
-        <mc:Choice xmlns:a14="http://schemas.microsoft.com/office/drawing/2010/main" Requires="a14">
+      <mc:AlternateContent xmlns:mc="http://schemas.openxmlformats.org/markup-compatibility/2006" xmlns:a14="http://schemas.microsoft.com/office/drawing/2010/main">
+        <mc:Choice Requires="a14">
           <p:sp>
             <p:nvSpPr>
               <p:cNvPr id="12" name="TextBox 11">
@@ -21827,7 +21821,7 @@
             </p:txBody>
           </p:sp>
         </mc:Choice>
-        <mc:Fallback>
+        <mc:Fallback xmlns="">
           <p:sp>
             <p:nvSpPr>
               <p:cNvPr id="12" name="TextBox 11">
@@ -21872,8 +21866,8 @@
           </p:sp>
         </mc:Fallback>
       </mc:AlternateContent>
-      <mc:AlternateContent xmlns:mc="http://schemas.openxmlformats.org/markup-compatibility/2006">
-        <mc:Choice xmlns:a14="http://schemas.microsoft.com/office/drawing/2010/main" Requires="a14">
+      <mc:AlternateContent xmlns:mc="http://schemas.openxmlformats.org/markup-compatibility/2006" xmlns:a14="http://schemas.microsoft.com/office/drawing/2010/main">
+        <mc:Choice Requires="a14">
           <p:sp>
             <p:nvSpPr>
               <p:cNvPr id="16" name="TextBox 15">
@@ -21971,7 +21965,7 @@
             </p:txBody>
           </p:sp>
         </mc:Choice>
-        <mc:Fallback>
+        <mc:Fallback xmlns="">
           <p:sp>
             <p:nvSpPr>
               <p:cNvPr id="16" name="TextBox 15">
@@ -22675,8 +22669,8 @@
           <a:chExt cx="0" cy="0"/>
         </a:xfrm>
       </p:grpSpPr>
-      <mc:AlternateContent xmlns:mc="http://schemas.openxmlformats.org/markup-compatibility/2006">
-        <mc:Choice xmlns:a14="http://schemas.microsoft.com/office/drawing/2010/main" Requires="a14">
+      <mc:AlternateContent xmlns:mc="http://schemas.openxmlformats.org/markup-compatibility/2006" xmlns:a14="http://schemas.microsoft.com/office/drawing/2010/main">
+        <mc:Choice Requires="a14">
           <p:graphicFrame>
             <p:nvGraphicFramePr>
               <p:cNvPr id="3" name="Table 2">
@@ -22831,7 +22825,7 @@
             </a:graphic>
           </p:graphicFrame>
         </mc:Choice>
-        <mc:Fallback>
+        <mc:Fallback xmlns="">
           <p:graphicFrame>
             <p:nvGraphicFramePr>
               <p:cNvPr id="3" name="Table 2">
@@ -22957,8 +22951,8 @@
           </p:graphicFrame>
         </mc:Fallback>
       </mc:AlternateContent>
-      <mc:AlternateContent xmlns:mc="http://schemas.openxmlformats.org/markup-compatibility/2006">
-        <mc:Choice xmlns:a14="http://schemas.microsoft.com/office/drawing/2010/main" Requires="a14">
+      <mc:AlternateContent xmlns:mc="http://schemas.openxmlformats.org/markup-compatibility/2006" xmlns:a14="http://schemas.microsoft.com/office/drawing/2010/main">
+        <mc:Choice Requires="a14">
           <p:sp>
             <p:nvSpPr>
               <p:cNvPr id="21" name="TextBox 20">
@@ -23091,7 +23085,7 @@
             </p:txBody>
           </p:sp>
         </mc:Choice>
-        <mc:Fallback>
+        <mc:Fallback xmlns="">
           <p:sp>
             <p:nvSpPr>
               <p:cNvPr id="21" name="TextBox 20">
@@ -23783,8 +23777,8 @@
           </a:p>
         </p:txBody>
       </p:sp>
-      <mc:AlternateContent xmlns:mc="http://schemas.openxmlformats.org/markup-compatibility/2006">
-        <mc:Choice xmlns:a14="http://schemas.microsoft.com/office/drawing/2010/main" Requires="a14">
+      <mc:AlternateContent xmlns:mc="http://schemas.openxmlformats.org/markup-compatibility/2006" xmlns:a14="http://schemas.microsoft.com/office/drawing/2010/main">
+        <mc:Choice Requires="a14">
           <p:sp>
             <p:nvSpPr>
               <p:cNvPr id="4" name="TextBox 3">
@@ -23827,6 +23821,7 @@
               </a:bodyPr>
               <a:lstStyle/>
               <a:p>
+                <a:pPr/>
                 <a14:m>
                   <m:oMathPara xmlns:m="http://schemas.openxmlformats.org/officeDocument/2006/math">
                     <m:oMathParaPr>
@@ -24071,7 +24066,7 @@
             </p:txBody>
           </p:sp>
         </mc:Choice>
-        <mc:Fallback>
+        <mc:Fallback xmlns="">
           <p:sp>
             <p:nvSpPr>
               <p:cNvPr id="4" name="TextBox 3">
@@ -24117,8 +24112,8 @@
           </p:sp>
         </mc:Fallback>
       </mc:AlternateContent>
-      <mc:AlternateContent xmlns:mc="http://schemas.openxmlformats.org/markup-compatibility/2006">
-        <mc:Choice xmlns:a14="http://schemas.microsoft.com/office/drawing/2010/main" Requires="a14">
+      <mc:AlternateContent xmlns:mc="http://schemas.openxmlformats.org/markup-compatibility/2006" xmlns:a14="http://schemas.microsoft.com/office/drawing/2010/main">
+        <mc:Choice Requires="a14">
           <p:sp>
             <p:nvSpPr>
               <p:cNvPr id="6" name="TextBox 5">
@@ -24314,7 +24309,7 @@
             </p:txBody>
           </p:sp>
         </mc:Choice>
-        <mc:Fallback>
+        <mc:Fallback xmlns="">
           <p:sp>
             <p:nvSpPr>
               <p:cNvPr id="6" name="TextBox 5">
@@ -24360,8 +24355,8 @@
           </p:sp>
         </mc:Fallback>
       </mc:AlternateContent>
-      <mc:AlternateContent xmlns:mc="http://schemas.openxmlformats.org/markup-compatibility/2006">
-        <mc:Choice xmlns:a14="http://schemas.microsoft.com/office/drawing/2010/main" Requires="a14">
+      <mc:AlternateContent xmlns:mc="http://schemas.openxmlformats.org/markup-compatibility/2006" xmlns:a14="http://schemas.microsoft.com/office/drawing/2010/main">
+        <mc:Choice Requires="a14">
           <p:sp>
             <p:nvSpPr>
               <p:cNvPr id="7" name="TextBox 6">
@@ -24546,7 +24541,7 @@
             </p:txBody>
           </p:sp>
         </mc:Choice>
-        <mc:Fallback>
+        <mc:Fallback xmlns="">
           <p:sp>
             <p:nvSpPr>
               <p:cNvPr id="7" name="TextBox 6">
@@ -25709,8 +25704,8 @@
           </a:p>
         </p:txBody>
       </p:sp>
-      <mc:AlternateContent xmlns:mc="http://schemas.openxmlformats.org/markup-compatibility/2006">
-        <mc:Choice xmlns:a14="http://schemas.microsoft.com/office/drawing/2010/main" Requires="a14">
+      <mc:AlternateContent xmlns:mc="http://schemas.openxmlformats.org/markup-compatibility/2006" xmlns:a14="http://schemas.microsoft.com/office/drawing/2010/main">
+        <mc:Choice Requires="a14">
           <p:sp>
             <p:nvSpPr>
               <p:cNvPr id="3" name="TextBox 2">
@@ -25739,6 +25734,7 @@
               </a:bodyPr>
               <a:lstStyle/>
               <a:p>
+                <a:pPr/>
                 <a14:m>
                   <m:oMathPara xmlns:m="http://schemas.openxmlformats.org/officeDocument/2006/math">
                     <m:oMathParaPr>
@@ -25926,7 +25922,7 @@
             </p:txBody>
           </p:sp>
         </mc:Choice>
-        <mc:Fallback>
+        <mc:Fallback xmlns="">
           <p:sp>
             <p:nvSpPr>
               <p:cNvPr id="3" name="TextBox 2">
@@ -25971,8 +25967,8 @@
           </p:sp>
         </mc:Fallback>
       </mc:AlternateContent>
-      <mc:AlternateContent xmlns:mc="http://schemas.openxmlformats.org/markup-compatibility/2006">
-        <mc:Choice xmlns:a14="http://schemas.microsoft.com/office/drawing/2010/main" Requires="a14">
+      <mc:AlternateContent xmlns:mc="http://schemas.openxmlformats.org/markup-compatibility/2006" xmlns:a14="http://schemas.microsoft.com/office/drawing/2010/main">
+        <mc:Choice Requires="a14">
           <p:sp>
             <p:nvSpPr>
               <p:cNvPr id="6" name="TextBox 5">
@@ -26170,7 +26166,7 @@
             </p:txBody>
           </p:sp>
         </mc:Choice>
-        <mc:Fallback>
+        <mc:Fallback xmlns="">
           <p:sp>
             <p:nvSpPr>
               <p:cNvPr id="6" name="TextBox 5">
@@ -26250,6 +26246,7 @@
               </a:bodyPr>
               <a:lstStyle/>
               <a:p>
+                <a:pPr/>
                 <a14:m>
                   <m:oMathPara xmlns:m="http://schemas.openxmlformats.org/officeDocument/2006/math">
                     <m:oMathParaPr>
@@ -26429,13 +26426,6 @@
                             </m:sub>
                           </m:sSub>
                           <m:r>
-                            <a:rPr lang="en-US" sz="3000" b="1" i="1" smtClean="0">
-                              <a:latin typeface="Cambria Math" panose="02040503050406030204" pitchFamily="18" charset="0"/>
-                              <a:ea typeface="Cambria Math" panose="02040503050406030204" pitchFamily="18" charset="0"/>
-                            </a:rPr>
-                            <m:t>∗</m:t>
-                          </m:r>
-                          <m:r>
                             <a:rPr lang="en-US" sz="3000" b="1" i="1">
                               <a:latin typeface="Cambria Math" panose="02040503050406030204" pitchFamily="18" charset="0"/>
                               <a:ea typeface="Cambria Math" panose="02040503050406030204" pitchFamily="18" charset="0"/>
@@ -26443,18 +26433,25 @@
                             <m:t>−</m:t>
                           </m:r>
                           <m:r>
-                            <a:rPr lang="en-US" sz="3000" b="1" i="1" smtClean="0">
+                            <a:rPr lang="en-GB" sz="3000" b="1" i="1" smtClean="0">
                               <a:latin typeface="Cambria Math" panose="02040503050406030204" pitchFamily="18" charset="0"/>
                               <a:ea typeface="Cambria Math" panose="02040503050406030204" pitchFamily="18" charset="0"/>
                             </a:rPr>
-                            <m:t> </m:t>
+                            <m:t>𝟎</m:t>
                           </m:r>
                           <m:r>
-                            <a:rPr lang="en-US" sz="3000" b="1" i="1" smtClean="0">
+                            <a:rPr lang="en-GB" sz="3000" b="1" i="1" smtClean="0">
                               <a:latin typeface="Cambria Math" panose="02040503050406030204" pitchFamily="18" charset="0"/>
                               <a:ea typeface="Cambria Math" panose="02040503050406030204" pitchFamily="18" charset="0"/>
                             </a:rPr>
-                            <m:t>𝟏</m:t>
+                            <m:t>.</m:t>
+                          </m:r>
+                          <m:r>
+                            <a:rPr lang="en-GB" sz="3000" b="1" i="1" smtClean="0">
+                              <a:latin typeface="Cambria Math" panose="02040503050406030204" pitchFamily="18" charset="0"/>
+                              <a:ea typeface="Cambria Math" panose="02040503050406030204" pitchFamily="18" charset="0"/>
+                            </a:rPr>
+                            <m:t>𝟓</m:t>
                           </m:r>
                         </m:e>
                       </m:d>
@@ -26495,7 +26492,7 @@
               <a:blipFill>
                 <a:blip r:embed="rId6"/>
                 <a:stretch>
-                  <a:fillRect/>
+                  <a:fillRect b="-3614"/>
                 </a:stretch>
               </a:blipFill>
             </p:spPr>
@@ -26504,7 +26501,7 @@
               <a:lstStyle/>
               <a:p>
                 <a:r>
-                  <a:rPr lang="en-PH">
+                  <a:rPr lang="en-US">
                     <a:noFill/>
                   </a:rPr>
                   <a:t> </a:t>
@@ -26544,6 +26541,7 @@
               </a:bodyPr>
               <a:lstStyle/>
               <a:p>
+                <a:pPr/>
                 <a14:m>
                   <m:oMathPara xmlns:m="http://schemas.openxmlformats.org/officeDocument/2006/math">
                     <m:oMathParaPr>
@@ -26697,47 +26695,66 @@
                               </m:r>
                             </m:sub>
                           </m:sSub>
+                          <m:d>
+                            <m:dPr>
+                              <m:ctrlPr>
+                                <a:rPr lang="en-US" sz="3000" b="1" i="1" smtClean="0">
+                                  <a:latin typeface="Cambria Math" panose="02040503050406030204" pitchFamily="18" charset="0"/>
+                                  <a:ea typeface="Cambria Math" panose="02040503050406030204" pitchFamily="18" charset="0"/>
+                                </a:rPr>
+                              </m:ctrlPr>
+                            </m:dPr>
+                            <m:e>
+                              <m:r>
+                                <a:rPr lang="en-US" sz="3000" b="1" i="1" smtClean="0">
+                                  <a:latin typeface="Cambria Math" panose="02040503050406030204" pitchFamily="18" charset="0"/>
+                                  <a:ea typeface="Cambria Math" panose="02040503050406030204" pitchFamily="18" charset="0"/>
+                                </a:rPr>
+                                <m:t>𝟏</m:t>
+                              </m:r>
+                              <m:r>
+                                <a:rPr lang="en-US" sz="3000" b="1" i="1" smtClean="0">
+                                  <a:latin typeface="Cambria Math" panose="02040503050406030204" pitchFamily="18" charset="0"/>
+                                  <a:ea typeface="Cambria Math" panose="02040503050406030204" pitchFamily="18" charset="0"/>
+                                </a:rPr>
+                                <m:t>.</m:t>
+                              </m:r>
+                              <m:r>
+                                <a:rPr lang="en-US" sz="3000" b="1" i="1" smtClean="0">
+                                  <a:latin typeface="Cambria Math" panose="02040503050406030204" pitchFamily="18" charset="0"/>
+                                  <a:ea typeface="Cambria Math" panose="02040503050406030204" pitchFamily="18" charset="0"/>
+                                </a:rPr>
+                                <m:t>𝟓</m:t>
+                              </m:r>
+                            </m:e>
+                          </m:d>
                           <m:r>
                             <a:rPr lang="en-US" sz="3000" b="1" i="1" smtClean="0">
                               <a:latin typeface="Cambria Math" panose="02040503050406030204" pitchFamily="18" charset="0"/>
                               <a:ea typeface="Cambria Math" panose="02040503050406030204" pitchFamily="18" charset="0"/>
                             </a:rPr>
-                            <m:t>(</m:t>
+                            <m:t>−</m:t>
                           </m:r>
                           <m:r>
-                            <a:rPr lang="en-US" sz="3000" b="1" i="1" smtClean="0">
+                            <a:rPr lang="en-GB" sz="3000" b="1" i="1" smtClean="0">
                               <a:latin typeface="Cambria Math" panose="02040503050406030204" pitchFamily="18" charset="0"/>
                               <a:ea typeface="Cambria Math" panose="02040503050406030204" pitchFamily="18" charset="0"/>
                             </a:rPr>
-                            <m:t>𝟏</m:t>
+                            <m:t>𝟎</m:t>
                           </m:r>
                           <m:r>
-                            <a:rPr lang="en-US" sz="3000" b="1" i="1" smtClean="0">
+                            <a:rPr lang="en-GB" sz="3000" b="1" i="1" smtClean="0">
                               <a:latin typeface="Cambria Math" panose="02040503050406030204" pitchFamily="18" charset="0"/>
                               <a:ea typeface="Cambria Math" panose="02040503050406030204" pitchFamily="18" charset="0"/>
                             </a:rPr>
                             <m:t>.</m:t>
                           </m:r>
                           <m:r>
-                            <a:rPr lang="en-US" sz="3000" b="1" i="1" smtClean="0">
+                            <a:rPr lang="en-GB" sz="3000" b="1" i="1" smtClean="0">
                               <a:latin typeface="Cambria Math" panose="02040503050406030204" pitchFamily="18" charset="0"/>
                               <a:ea typeface="Cambria Math" panose="02040503050406030204" pitchFamily="18" charset="0"/>
                             </a:rPr>
                             <m:t>𝟓</m:t>
-                          </m:r>
-                          <m:r>
-                            <a:rPr lang="en-US" sz="3000" b="1" i="1" smtClean="0">
-                              <a:latin typeface="Cambria Math" panose="02040503050406030204" pitchFamily="18" charset="0"/>
-                              <a:ea typeface="Cambria Math" panose="02040503050406030204" pitchFamily="18" charset="0"/>
-                            </a:rPr>
-                            <m:t>)∗(− </m:t>
-                          </m:r>
-                          <m:r>
-                            <a:rPr lang="en-US" sz="3000" b="1" i="1" smtClean="0">
-                              <a:latin typeface="Cambria Math" panose="02040503050406030204" pitchFamily="18" charset="0"/>
-                              <a:ea typeface="Cambria Math" panose="02040503050406030204" pitchFamily="18" charset="0"/>
-                            </a:rPr>
-                            <m:t>𝟏</m:t>
                           </m:r>
                         </m:e>
                       </m:d>
@@ -26785,7 +26802,7 @@
               <a:blipFill>
                 <a:blip r:embed="rId7"/>
                 <a:stretch>
-                  <a:fillRect/>
+                  <a:fillRect b="-3571"/>
                 </a:stretch>
               </a:blipFill>
             </p:spPr>
@@ -26794,7 +26811,7 @@
               <a:lstStyle/>
               <a:p>
                 <a:r>
-                  <a:rPr lang="en-PH">
+                  <a:rPr lang="en-US">
                     <a:noFill/>
                   </a:rPr>
                   <a:t> </a:t>
@@ -27475,8 +27492,8 @@
           </a:p>
         </p:txBody>
       </p:sp>
-      <mc:AlternateContent xmlns:mc="http://schemas.openxmlformats.org/markup-compatibility/2006">
-        <mc:Choice xmlns:a14="http://schemas.microsoft.com/office/drawing/2010/main" Requires="a14">
+      <mc:AlternateContent xmlns:mc="http://schemas.openxmlformats.org/markup-compatibility/2006" xmlns:a14="http://schemas.microsoft.com/office/drawing/2010/main">
+        <mc:Choice Requires="a14">
           <p:sp>
             <p:nvSpPr>
               <p:cNvPr id="3" name="TextBox 2">
@@ -27665,7 +27682,7 @@
             </p:txBody>
           </p:sp>
         </mc:Choice>
-        <mc:Fallback>
+        <mc:Fallback xmlns="">
           <p:sp>
             <p:nvSpPr>
               <p:cNvPr id="3" name="TextBox 2">
@@ -27710,8 +27727,8 @@
           </p:sp>
         </mc:Fallback>
       </mc:AlternateContent>
-      <mc:AlternateContent xmlns:mc="http://schemas.openxmlformats.org/markup-compatibility/2006">
-        <mc:Choice xmlns:a14="http://schemas.microsoft.com/office/drawing/2010/main" Requires="a14">
+      <mc:AlternateContent xmlns:mc="http://schemas.openxmlformats.org/markup-compatibility/2006" xmlns:a14="http://schemas.microsoft.com/office/drawing/2010/main">
+        <mc:Choice Requires="a14">
           <p:sp>
             <p:nvSpPr>
               <p:cNvPr id="4" name="TextBox 3">
@@ -27763,7 +27780,7 @@
                   <m:oMath xmlns:m="http://schemas.openxmlformats.org/officeDocument/2006/math">
                     <m:r>
                       <a:rPr lang="en-PH" b="1" i="1">
-                        <a:latin typeface="Calibri (Body)"/>
+                        <a:latin typeface="Cambria Math" panose="02040503050406030204" pitchFamily="18" charset="0"/>
                       </a:rPr>
                       <m:t>𝜶</m:t>
                     </m:r>
@@ -27779,7 +27796,7 @@
             </p:txBody>
           </p:sp>
         </mc:Choice>
-        <mc:Fallback>
+        <mc:Fallback xmlns="">
           <p:sp>
             <p:nvSpPr>
               <p:cNvPr id="4" name="TextBox 3">
@@ -27824,8 +27841,8 @@
           </p:sp>
         </mc:Fallback>
       </mc:AlternateContent>
-      <mc:AlternateContent xmlns:mc="http://schemas.openxmlformats.org/markup-compatibility/2006">
-        <mc:Choice xmlns:a14="http://schemas.microsoft.com/office/drawing/2010/main" Requires="a14">
+      <mc:AlternateContent xmlns:mc="http://schemas.openxmlformats.org/markup-compatibility/2006" xmlns:a14="http://schemas.microsoft.com/office/drawing/2010/main">
+        <mc:Choice Requires="a14">
           <p:sp>
             <p:nvSpPr>
               <p:cNvPr id="8" name="TextBox 7">
@@ -28048,7 +28065,7 @@
             </p:txBody>
           </p:sp>
         </mc:Choice>
-        <mc:Fallback>
+        <mc:Fallback xmlns="">
           <p:sp>
             <p:nvSpPr>
               <p:cNvPr id="8" name="TextBox 7">
@@ -28093,8 +28110,8 @@
           </p:sp>
         </mc:Fallback>
       </mc:AlternateContent>
-      <mc:AlternateContent xmlns:mc="http://schemas.openxmlformats.org/markup-compatibility/2006">
-        <mc:Choice xmlns:a14="http://schemas.microsoft.com/office/drawing/2010/main" Requires="a14">
+      <mc:AlternateContent xmlns:mc="http://schemas.openxmlformats.org/markup-compatibility/2006" xmlns:a14="http://schemas.microsoft.com/office/drawing/2010/main">
+        <mc:Choice Requires="a14">
           <p:graphicFrame>
             <p:nvGraphicFramePr>
               <p:cNvPr id="6" name="Table 5">
@@ -28450,7 +28467,7 @@
             </a:graphic>
           </p:graphicFrame>
         </mc:Choice>
-        <mc:Fallback>
+        <mc:Fallback xmlns="">
           <p:graphicFrame>
             <p:nvGraphicFramePr>
               <p:cNvPr id="6" name="Table 5">
@@ -31330,8 +31347,8 @@
             <a:chExt cx="4825042" cy="4005107"/>
           </a:xfrm>
         </p:grpSpPr>
-        <mc:AlternateContent xmlns:mc="http://schemas.openxmlformats.org/markup-compatibility/2006">
-          <mc:Choice xmlns:a14="http://schemas.microsoft.com/office/drawing/2010/main" Requires="a14">
+        <mc:AlternateContent xmlns:mc="http://schemas.openxmlformats.org/markup-compatibility/2006" xmlns:a14="http://schemas.microsoft.com/office/drawing/2010/main">
+          <mc:Choice Requires="a14">
             <p:sp>
               <p:nvSpPr>
                 <p:cNvPr id="3" name="TextBox 2">
@@ -31381,7 +31398,7 @@
               </p:txBody>
             </p:sp>
           </mc:Choice>
-          <mc:Fallback>
+          <mc:Fallback xmlns="">
             <p:sp>
               <p:nvSpPr>
                 <p:cNvPr id="3" name="TextBox 2">
@@ -31426,8 +31443,8 @@
             </p:sp>
           </mc:Fallback>
         </mc:AlternateContent>
-        <mc:AlternateContent xmlns:mc="http://schemas.openxmlformats.org/markup-compatibility/2006">
-          <mc:Choice xmlns:a14="http://schemas.microsoft.com/office/drawing/2010/main" Requires="a14">
+        <mc:AlternateContent xmlns:mc="http://schemas.openxmlformats.org/markup-compatibility/2006" xmlns:a14="http://schemas.microsoft.com/office/drawing/2010/main">
+          <mc:Choice Requires="a14">
             <p:sp>
               <p:nvSpPr>
                 <p:cNvPr id="4" name="TextBox 3">
@@ -31477,7 +31494,7 @@
               </p:txBody>
             </p:sp>
           </mc:Choice>
-          <mc:Fallback>
+          <mc:Fallback xmlns="">
             <p:sp>
               <p:nvSpPr>
                 <p:cNvPr id="4" name="TextBox 3">
@@ -31522,8 +31539,8 @@
             </p:sp>
           </mc:Fallback>
         </mc:AlternateContent>
-        <mc:AlternateContent xmlns:mc="http://schemas.openxmlformats.org/markup-compatibility/2006">
-          <mc:Choice xmlns:a14="http://schemas.microsoft.com/office/drawing/2010/main" Requires="a14">
+        <mc:AlternateContent xmlns:mc="http://schemas.openxmlformats.org/markup-compatibility/2006" xmlns:a14="http://schemas.microsoft.com/office/drawing/2010/main">
+          <mc:Choice Requires="a14">
             <p:sp>
               <p:nvSpPr>
                 <p:cNvPr id="8" name="TextBox 7">
@@ -31573,7 +31590,7 @@
               </p:txBody>
             </p:sp>
           </mc:Choice>
-          <mc:Fallback>
+          <mc:Fallback xmlns="">
             <p:sp>
               <p:nvSpPr>
                 <p:cNvPr id="8" name="TextBox 7">
@@ -31618,8 +31635,8 @@
             </p:sp>
           </mc:Fallback>
         </mc:AlternateContent>
-        <mc:AlternateContent xmlns:mc="http://schemas.openxmlformats.org/markup-compatibility/2006">
-          <mc:Choice xmlns:a14="http://schemas.microsoft.com/office/drawing/2010/main" Requires="a14">
+        <mc:AlternateContent xmlns:mc="http://schemas.openxmlformats.org/markup-compatibility/2006" xmlns:a14="http://schemas.microsoft.com/office/drawing/2010/main">
+          <mc:Choice Requires="a14">
             <p:sp>
               <p:nvSpPr>
                 <p:cNvPr id="10" name="TextBox 9">
@@ -31669,7 +31686,7 @@
               </p:txBody>
             </p:sp>
           </mc:Choice>
-          <mc:Fallback>
+          <mc:Fallback xmlns="">
             <p:sp>
               <p:nvSpPr>
                 <p:cNvPr id="10" name="TextBox 9">
@@ -31714,8 +31731,8 @@
             </p:sp>
           </mc:Fallback>
         </mc:AlternateContent>
-        <mc:AlternateContent xmlns:mc="http://schemas.openxmlformats.org/markup-compatibility/2006">
-          <mc:Choice xmlns:a14="http://schemas.microsoft.com/office/drawing/2010/main" Requires="a14">
+        <mc:AlternateContent xmlns:mc="http://schemas.openxmlformats.org/markup-compatibility/2006" xmlns:a14="http://schemas.microsoft.com/office/drawing/2010/main">
+          <mc:Choice Requires="a14">
             <p:sp>
               <p:nvSpPr>
                 <p:cNvPr id="11" name="TextBox 10">
@@ -31765,7 +31782,7 @@
               </p:txBody>
             </p:sp>
           </mc:Choice>
-          <mc:Fallback>
+          <mc:Fallback xmlns="">
             <p:sp>
               <p:nvSpPr>
                 <p:cNvPr id="11" name="TextBox 10">
@@ -31810,8 +31827,8 @@
             </p:sp>
           </mc:Fallback>
         </mc:AlternateContent>
-        <mc:AlternateContent xmlns:mc="http://schemas.openxmlformats.org/markup-compatibility/2006">
-          <mc:Choice xmlns:a14="http://schemas.microsoft.com/office/drawing/2010/main" Requires="a14">
+        <mc:AlternateContent xmlns:mc="http://schemas.openxmlformats.org/markup-compatibility/2006" xmlns:a14="http://schemas.microsoft.com/office/drawing/2010/main">
+          <mc:Choice Requires="a14">
             <p:sp>
               <p:nvSpPr>
                 <p:cNvPr id="33" name="TextBox 32">
@@ -31861,7 +31878,7 @@
               </p:txBody>
             </p:sp>
           </mc:Choice>
-          <mc:Fallback>
+          <mc:Fallback xmlns="">
             <p:sp>
               <p:nvSpPr>
                 <p:cNvPr id="33" name="TextBox 32">
@@ -31907,8 +31924,8 @@
           </mc:Fallback>
         </mc:AlternateContent>
       </p:grpSp>
-      <mc:AlternateContent xmlns:mc="http://schemas.openxmlformats.org/markup-compatibility/2006">
-        <mc:Choice xmlns:a14="http://schemas.microsoft.com/office/drawing/2010/main" Requires="a14">
+      <mc:AlternateContent xmlns:mc="http://schemas.openxmlformats.org/markup-compatibility/2006" xmlns:a14="http://schemas.microsoft.com/office/drawing/2010/main">
+        <mc:Choice Requires="a14">
           <p:sp>
             <p:nvSpPr>
               <p:cNvPr id="36" name="TextBox 35">
@@ -31970,7 +31987,7 @@
             </p:txBody>
           </p:sp>
         </mc:Choice>
-        <mc:Fallback>
+        <mc:Fallback xmlns="">
           <p:sp>
             <p:nvSpPr>
               <p:cNvPr id="36" name="TextBox 35">
@@ -35013,13 +35030,12 @@
           </a:bodyPr>
           <a:lstStyle/>
           <a:p>
-            <a:pPr/>
             <a:endParaRPr lang="en-PH" sz="3000" b="1" dirty="0"/>
           </a:p>
         </p:txBody>
       </p:sp>
-      <mc:AlternateContent xmlns:mc="http://schemas.openxmlformats.org/markup-compatibility/2006">
-        <mc:Choice xmlns:a14="http://schemas.microsoft.com/office/drawing/2010/main" Requires="a14">
+      <mc:AlternateContent xmlns:mc="http://schemas.openxmlformats.org/markup-compatibility/2006" xmlns:a14="http://schemas.microsoft.com/office/drawing/2010/main">
+        <mc:Choice Requires="a14">
           <p:sp>
             <p:nvSpPr>
               <p:cNvPr id="36" name="TextBox 35">
@@ -35069,7 +35085,7 @@
             </p:txBody>
           </p:sp>
         </mc:Choice>
-        <mc:Fallback>
+        <mc:Fallback xmlns="">
           <p:sp>
             <p:nvSpPr>
               <p:cNvPr id="36" name="TextBox 35">
@@ -35114,8 +35130,8 @@
           </p:sp>
         </mc:Fallback>
       </mc:AlternateContent>
-      <mc:AlternateContent xmlns:mc="http://schemas.openxmlformats.org/markup-compatibility/2006">
-        <mc:Choice xmlns:a14="http://schemas.microsoft.com/office/drawing/2010/main" Requires="a14">
+      <mc:AlternateContent xmlns:mc="http://schemas.openxmlformats.org/markup-compatibility/2006" xmlns:a14="http://schemas.microsoft.com/office/drawing/2010/main">
+        <mc:Choice Requires="a14">
           <p:sp>
             <p:nvSpPr>
               <p:cNvPr id="40" name="TextBox 39">
@@ -35165,7 +35181,7 @@
             </p:txBody>
           </p:sp>
         </mc:Choice>
-        <mc:Fallback>
+        <mc:Fallback xmlns="">
           <p:sp>
             <p:nvSpPr>
               <p:cNvPr id="40" name="TextBox 39">
@@ -35210,8 +35226,8 @@
           </p:sp>
         </mc:Fallback>
       </mc:AlternateContent>
-      <mc:AlternateContent xmlns:mc="http://schemas.openxmlformats.org/markup-compatibility/2006">
-        <mc:Choice xmlns:a14="http://schemas.microsoft.com/office/drawing/2010/main" Requires="a14">
+      <mc:AlternateContent xmlns:mc="http://schemas.openxmlformats.org/markup-compatibility/2006" xmlns:a14="http://schemas.microsoft.com/office/drawing/2010/main">
+        <mc:Choice Requires="a14">
           <p:sp>
             <p:nvSpPr>
               <p:cNvPr id="41" name="TextBox 40">
@@ -35261,7 +35277,7 @@
             </p:txBody>
           </p:sp>
         </mc:Choice>
-        <mc:Fallback>
+        <mc:Fallback xmlns="">
           <p:sp>
             <p:nvSpPr>
               <p:cNvPr id="41" name="TextBox 40">
@@ -35306,8 +35322,8 @@
           </p:sp>
         </mc:Fallback>
       </mc:AlternateContent>
-      <mc:AlternateContent xmlns:mc="http://schemas.openxmlformats.org/markup-compatibility/2006">
-        <mc:Choice xmlns:a14="http://schemas.microsoft.com/office/drawing/2010/main" Requires="a14">
+      <mc:AlternateContent xmlns:mc="http://schemas.openxmlformats.org/markup-compatibility/2006" xmlns:a14="http://schemas.microsoft.com/office/drawing/2010/main">
+        <mc:Choice Requires="a14">
           <p:sp>
             <p:nvSpPr>
               <p:cNvPr id="44" name="TextBox 43">
@@ -35357,7 +35373,7 @@
             </p:txBody>
           </p:sp>
         </mc:Choice>
-        <mc:Fallback>
+        <mc:Fallback xmlns="">
           <p:sp>
             <p:nvSpPr>
               <p:cNvPr id="44" name="TextBox 43">
@@ -35402,8 +35418,8 @@
           </p:sp>
         </mc:Fallback>
       </mc:AlternateContent>
-      <mc:AlternateContent xmlns:mc="http://schemas.openxmlformats.org/markup-compatibility/2006">
-        <mc:Choice xmlns:a14="http://schemas.microsoft.com/office/drawing/2010/main" Requires="a14">
+      <mc:AlternateContent xmlns:mc="http://schemas.openxmlformats.org/markup-compatibility/2006" xmlns:a14="http://schemas.microsoft.com/office/drawing/2010/main">
+        <mc:Choice Requires="a14">
           <p:sp>
             <p:nvSpPr>
               <p:cNvPr id="45" name="TextBox 44">
@@ -35453,7 +35469,7 @@
             </p:txBody>
           </p:sp>
         </mc:Choice>
-        <mc:Fallback>
+        <mc:Fallback xmlns="">
           <p:sp>
             <p:nvSpPr>
               <p:cNvPr id="45" name="TextBox 44">
@@ -35498,8 +35514,8 @@
           </p:sp>
         </mc:Fallback>
       </mc:AlternateContent>
-      <mc:AlternateContent xmlns:mc="http://schemas.openxmlformats.org/markup-compatibility/2006">
-        <mc:Choice xmlns:a14="http://schemas.microsoft.com/office/drawing/2010/main" Requires="a14">
+      <mc:AlternateContent xmlns:mc="http://schemas.openxmlformats.org/markup-compatibility/2006" xmlns:a14="http://schemas.microsoft.com/office/drawing/2010/main">
+        <mc:Choice Requires="a14">
           <p:sp>
             <p:nvSpPr>
               <p:cNvPr id="48" name="TextBox 47">
@@ -35549,7 +35565,7 @@
             </p:txBody>
           </p:sp>
         </mc:Choice>
-        <mc:Fallback>
+        <mc:Fallback xmlns="">
           <p:sp>
             <p:nvSpPr>
               <p:cNvPr id="48" name="TextBox 47">
@@ -36647,8 +36663,8 @@
           </a:p>
         </p:txBody>
       </p:sp>
-      <mc:AlternateContent xmlns:mc="http://schemas.openxmlformats.org/markup-compatibility/2006">
-        <mc:Choice xmlns:a14="http://schemas.microsoft.com/office/drawing/2010/main" Requires="a14">
+      <mc:AlternateContent xmlns:mc="http://schemas.openxmlformats.org/markup-compatibility/2006" xmlns:a14="http://schemas.microsoft.com/office/drawing/2010/main">
+        <mc:Choice Requires="a14">
           <p:sp>
             <p:nvSpPr>
               <p:cNvPr id="18" name="TextBox 17">
@@ -36677,6 +36693,7 @@
               </a:bodyPr>
               <a:lstStyle/>
               <a:p>
+                <a:pPr/>
                 <a14:m>
                   <m:oMathPara xmlns:m="http://schemas.openxmlformats.org/officeDocument/2006/math">
                     <m:oMathParaPr>
@@ -36716,7 +36733,7 @@
             </p:txBody>
           </p:sp>
         </mc:Choice>
-        <mc:Fallback>
+        <mc:Fallback xmlns="">
           <p:sp>
             <p:nvSpPr>
               <p:cNvPr id="18" name="TextBox 17">
@@ -36761,8 +36778,8 @@
           </p:sp>
         </mc:Fallback>
       </mc:AlternateContent>
-      <mc:AlternateContent xmlns:mc="http://schemas.openxmlformats.org/markup-compatibility/2006">
-        <mc:Choice xmlns:a14="http://schemas.microsoft.com/office/drawing/2010/main" Requires="a14">
+      <mc:AlternateContent xmlns:mc="http://schemas.openxmlformats.org/markup-compatibility/2006" xmlns:a14="http://schemas.microsoft.com/office/drawing/2010/main">
+        <mc:Choice Requires="a14">
           <p:sp>
             <p:nvSpPr>
               <p:cNvPr id="23" name="TextBox 22">
@@ -36791,6 +36808,7 @@
               </a:bodyPr>
               <a:lstStyle/>
               <a:p>
+                <a:pPr/>
                 <a14:m>
                   <m:oMathPara xmlns:m="http://schemas.openxmlformats.org/officeDocument/2006/math">
                     <m:oMathParaPr>
@@ -36830,7 +36848,7 @@
             </p:txBody>
           </p:sp>
         </mc:Choice>
-        <mc:Fallback>
+        <mc:Fallback xmlns="">
           <p:sp>
             <p:nvSpPr>
               <p:cNvPr id="23" name="TextBox 22">
@@ -36968,8 +36986,8 @@
           </a:p>
         </p:txBody>
       </p:sp>
-      <mc:AlternateContent xmlns:mc="http://schemas.openxmlformats.org/markup-compatibility/2006">
-        <mc:Choice xmlns:a14="http://schemas.microsoft.com/office/drawing/2010/main" Requires="a14">
+      <mc:AlternateContent xmlns:mc="http://schemas.openxmlformats.org/markup-compatibility/2006" xmlns:a14="http://schemas.microsoft.com/office/drawing/2010/main">
+        <mc:Choice Requires="a14">
           <p:sp>
             <p:nvSpPr>
               <p:cNvPr id="38" name="TextBox 37">
@@ -36998,6 +37016,7 @@
               </a:bodyPr>
               <a:lstStyle/>
               <a:p>
+                <a:pPr/>
                 <a14:m>
                   <m:oMathPara xmlns:m="http://schemas.openxmlformats.org/officeDocument/2006/math">
                     <m:oMathParaPr>
@@ -37037,7 +37056,7 @@
             </p:txBody>
           </p:sp>
         </mc:Choice>
-        <mc:Fallback>
+        <mc:Fallback xmlns="">
           <p:sp>
             <p:nvSpPr>
               <p:cNvPr id="38" name="TextBox 37">
@@ -37082,8 +37101,8 @@
           </p:sp>
         </mc:Fallback>
       </mc:AlternateContent>
-      <mc:AlternateContent xmlns:mc="http://schemas.openxmlformats.org/markup-compatibility/2006">
-        <mc:Choice xmlns:a14="http://schemas.microsoft.com/office/drawing/2010/main" Requires="a14">
+      <mc:AlternateContent xmlns:mc="http://schemas.openxmlformats.org/markup-compatibility/2006" xmlns:a14="http://schemas.microsoft.com/office/drawing/2010/main">
+        <mc:Choice Requires="a14">
           <p:sp>
             <p:nvSpPr>
               <p:cNvPr id="43" name="TextBox 42">
@@ -37318,7 +37337,7 @@
             </p:txBody>
           </p:sp>
         </mc:Choice>
-        <mc:Fallback>
+        <mc:Fallback xmlns="">
           <p:sp>
             <p:nvSpPr>
               <p:cNvPr id="43" name="TextBox 42">
@@ -37514,8 +37533,8 @@
           </a:p>
         </p:txBody>
       </p:sp>
-      <mc:AlternateContent xmlns:mc="http://schemas.openxmlformats.org/markup-compatibility/2006">
-        <mc:Choice xmlns:a14="http://schemas.microsoft.com/office/drawing/2010/main" Requires="a14">
+      <mc:AlternateContent xmlns:mc="http://schemas.openxmlformats.org/markup-compatibility/2006" xmlns:a14="http://schemas.microsoft.com/office/drawing/2010/main">
+        <mc:Choice Requires="a14">
           <p:sp>
             <p:nvSpPr>
               <p:cNvPr id="7" name="TextBox 6">
@@ -37681,7 +37700,7 @@
             </p:txBody>
           </p:sp>
         </mc:Choice>
-        <mc:Fallback>
+        <mc:Fallback xmlns="">
           <p:sp>
             <p:nvSpPr>
               <p:cNvPr id="7" name="TextBox 6">
@@ -37763,8 +37782,8 @@
           </a:p>
         </p:txBody>
       </p:sp>
-      <mc:AlternateContent xmlns:mc="http://schemas.openxmlformats.org/markup-compatibility/2006">
-        <mc:Choice xmlns:a14="http://schemas.microsoft.com/office/drawing/2010/main" Requires="a14">
+      <mc:AlternateContent xmlns:mc="http://schemas.openxmlformats.org/markup-compatibility/2006" xmlns:a14="http://schemas.microsoft.com/office/drawing/2010/main">
+        <mc:Choice Requires="a14">
           <p:sp>
             <p:nvSpPr>
               <p:cNvPr id="19" name="TextBox 18">
@@ -37934,7 +37953,7 @@
             </p:txBody>
           </p:sp>
         </mc:Choice>
-        <mc:Fallback>
+        <mc:Fallback xmlns="">
           <p:sp>
             <p:nvSpPr>
               <p:cNvPr id="19" name="TextBox 18">
@@ -37980,8 +37999,8 @@
           </p:sp>
         </mc:Fallback>
       </mc:AlternateContent>
-      <mc:AlternateContent xmlns:mc="http://schemas.openxmlformats.org/markup-compatibility/2006">
-        <mc:Choice xmlns:a14="http://schemas.microsoft.com/office/drawing/2010/main" Requires="a14">
+      <mc:AlternateContent xmlns:mc="http://schemas.openxmlformats.org/markup-compatibility/2006" xmlns:a14="http://schemas.microsoft.com/office/drawing/2010/main">
+        <mc:Choice Requires="a14">
           <p:sp>
             <p:nvSpPr>
               <p:cNvPr id="21" name="TextBox 20">
@@ -38120,7 +38139,7 @@
             </p:txBody>
           </p:sp>
         </mc:Choice>
-        <mc:Fallback>
+        <mc:Fallback xmlns="">
           <p:sp>
             <p:nvSpPr>
               <p:cNvPr id="21" name="TextBox 20">
@@ -38170,8 +38189,8 @@
           </p:sp>
         </mc:Fallback>
       </mc:AlternateContent>
-      <mc:AlternateContent xmlns:mc="http://schemas.openxmlformats.org/markup-compatibility/2006">
-        <mc:Choice xmlns:a14="http://schemas.microsoft.com/office/drawing/2010/main" Requires="a14">
+      <mc:AlternateContent xmlns:mc="http://schemas.openxmlformats.org/markup-compatibility/2006" xmlns:a14="http://schemas.microsoft.com/office/drawing/2010/main">
+        <mc:Choice Requires="a14">
           <p:sp>
             <p:nvSpPr>
               <p:cNvPr id="9" name="TextBox 8">
@@ -38240,7 +38259,7 @@
             </p:txBody>
           </p:sp>
         </mc:Choice>
-        <mc:Fallback>
+        <mc:Fallback xmlns="">
           <p:sp>
             <p:nvSpPr>
               <p:cNvPr id="9" name="TextBox 8">
@@ -38285,8 +38304,8 @@
           </p:sp>
         </mc:Fallback>
       </mc:AlternateContent>
-      <mc:AlternateContent xmlns:mc="http://schemas.openxmlformats.org/markup-compatibility/2006">
-        <mc:Choice xmlns:a14="http://schemas.microsoft.com/office/drawing/2010/main" Requires="a14">
+      <mc:AlternateContent xmlns:mc="http://schemas.openxmlformats.org/markup-compatibility/2006" xmlns:a14="http://schemas.microsoft.com/office/drawing/2010/main">
+        <mc:Choice Requires="a14">
           <p:sp>
             <p:nvSpPr>
               <p:cNvPr id="10" name="TextBox 9">
@@ -38355,7 +38374,7 @@
             </p:txBody>
           </p:sp>
         </mc:Choice>
-        <mc:Fallback>
+        <mc:Fallback xmlns="">
           <p:sp>
             <p:nvSpPr>
               <p:cNvPr id="10" name="TextBox 9">
@@ -38400,8 +38419,8 @@
           </p:sp>
         </mc:Fallback>
       </mc:AlternateContent>
-      <mc:AlternateContent xmlns:mc="http://schemas.openxmlformats.org/markup-compatibility/2006">
-        <mc:Choice xmlns:a14="http://schemas.microsoft.com/office/drawing/2010/main" Requires="a14">
+      <mc:AlternateContent xmlns:mc="http://schemas.openxmlformats.org/markup-compatibility/2006" xmlns:a14="http://schemas.microsoft.com/office/drawing/2010/main">
+        <mc:Choice Requires="a14">
           <p:sp>
             <p:nvSpPr>
               <p:cNvPr id="13" name="TextBox 12">
@@ -38470,7 +38489,7 @@
             </p:txBody>
           </p:sp>
         </mc:Choice>
-        <mc:Fallback>
+        <mc:Fallback xmlns="">
           <p:sp>
             <p:nvSpPr>
               <p:cNvPr id="13" name="TextBox 12">
@@ -38515,8 +38534,8 @@
           </p:sp>
         </mc:Fallback>
       </mc:AlternateContent>
-      <mc:AlternateContent xmlns:mc="http://schemas.openxmlformats.org/markup-compatibility/2006">
-        <mc:Choice xmlns:a14="http://schemas.microsoft.com/office/drawing/2010/main" Requires="a14">
+      <mc:AlternateContent xmlns:mc="http://schemas.openxmlformats.org/markup-compatibility/2006" xmlns:a14="http://schemas.microsoft.com/office/drawing/2010/main">
+        <mc:Choice Requires="a14">
           <p:sp>
             <p:nvSpPr>
               <p:cNvPr id="14" name="TextBox 13">
@@ -38585,7 +38604,7 @@
             </p:txBody>
           </p:sp>
         </mc:Choice>
-        <mc:Fallback>
+        <mc:Fallback xmlns="">
           <p:sp>
             <p:nvSpPr>
               <p:cNvPr id="14" name="TextBox 13">
@@ -38750,8 +38769,8 @@
           </a:fontRef>
         </p:style>
       </p:cxnSp>
-      <mc:AlternateContent xmlns:mc="http://schemas.openxmlformats.org/markup-compatibility/2006">
-        <mc:Choice xmlns:a14="http://schemas.microsoft.com/office/drawing/2010/main" Requires="a14">
+      <mc:AlternateContent xmlns:mc="http://schemas.openxmlformats.org/markup-compatibility/2006" xmlns:a14="http://schemas.microsoft.com/office/drawing/2010/main">
+        <mc:Choice Requires="a14">
           <p:sp>
             <p:nvSpPr>
               <p:cNvPr id="46" name="TextBox 45">
@@ -38820,7 +38839,7 @@
             </p:txBody>
           </p:sp>
         </mc:Choice>
-        <mc:Fallback>
+        <mc:Fallback xmlns="">
           <p:sp>
             <p:nvSpPr>
               <p:cNvPr id="46" name="TextBox 45">
@@ -38905,8 +38924,8 @@
           </a:fontRef>
         </p:style>
       </p:cxnSp>
-      <mc:AlternateContent xmlns:mc="http://schemas.openxmlformats.org/markup-compatibility/2006">
-        <mc:Choice xmlns:a14="http://schemas.microsoft.com/office/drawing/2010/main" Requires="a14">
+      <mc:AlternateContent xmlns:mc="http://schemas.openxmlformats.org/markup-compatibility/2006" xmlns:a14="http://schemas.microsoft.com/office/drawing/2010/main">
+        <mc:Choice Requires="a14">
           <p:sp>
             <p:nvSpPr>
               <p:cNvPr id="50" name="TextBox 49">
@@ -38975,7 +38994,7 @@
             </p:txBody>
           </p:sp>
         </mc:Choice>
-        <mc:Fallback>
+        <mc:Fallback xmlns="">
           <p:sp>
             <p:nvSpPr>
               <p:cNvPr id="50" name="TextBox 49">
@@ -39060,8 +39079,8 @@
           </a:fontRef>
         </p:style>
       </p:cxnSp>
-      <mc:AlternateContent xmlns:mc="http://schemas.openxmlformats.org/markup-compatibility/2006">
-        <mc:Choice xmlns:a14="http://schemas.microsoft.com/office/drawing/2010/main" Requires="a14">
+      <mc:AlternateContent xmlns:mc="http://schemas.openxmlformats.org/markup-compatibility/2006" xmlns:a14="http://schemas.microsoft.com/office/drawing/2010/main">
+        <mc:Choice Requires="a14">
           <p:sp>
             <p:nvSpPr>
               <p:cNvPr id="54" name="TextBox 53">
@@ -39111,7 +39130,7 @@
             </p:txBody>
           </p:sp>
         </mc:Choice>
-        <mc:Fallback>
+        <mc:Fallback xmlns="">
           <p:sp>
             <p:nvSpPr>
               <p:cNvPr id="54" name="TextBox 53">
@@ -39457,8 +39476,8 @@
           </a:p>
         </p:txBody>
       </p:sp>
-      <mc:AlternateContent xmlns:mc="http://schemas.openxmlformats.org/markup-compatibility/2006">
-        <mc:Choice xmlns:a14="http://schemas.microsoft.com/office/drawing/2010/main" Requires="a14">
+      <mc:AlternateContent xmlns:mc="http://schemas.openxmlformats.org/markup-compatibility/2006" xmlns:a14="http://schemas.microsoft.com/office/drawing/2010/main">
+        <mc:Choice Requires="a14">
           <p:sp>
             <p:nvSpPr>
               <p:cNvPr id="77" name="TextBox 76">
@@ -39487,6 +39506,7 @@
               </a:bodyPr>
               <a:lstStyle/>
               <a:p>
+                <a:pPr/>
                 <a14:m>
                   <m:oMathPara xmlns:m="http://schemas.openxmlformats.org/officeDocument/2006/math">
                     <m:oMathParaPr>
@@ -39526,7 +39546,7 @@
             </p:txBody>
           </p:sp>
         </mc:Choice>
-        <mc:Fallback>
+        <mc:Fallback xmlns="">
           <p:sp>
             <p:nvSpPr>
               <p:cNvPr id="77" name="TextBox 76">
@@ -39571,8 +39591,8 @@
           </p:sp>
         </mc:Fallback>
       </mc:AlternateContent>
-      <mc:AlternateContent xmlns:mc="http://schemas.openxmlformats.org/markup-compatibility/2006">
-        <mc:Choice xmlns:a14="http://schemas.microsoft.com/office/drawing/2010/main" Requires="a14">
+      <mc:AlternateContent xmlns:mc="http://schemas.openxmlformats.org/markup-compatibility/2006" xmlns:a14="http://schemas.microsoft.com/office/drawing/2010/main">
+        <mc:Choice Requires="a14">
           <p:sp>
             <p:nvSpPr>
               <p:cNvPr id="78" name="TextBox 77">
@@ -39601,6 +39621,7 @@
               </a:bodyPr>
               <a:lstStyle/>
               <a:p>
+                <a:pPr/>
                 <a14:m>
                   <m:oMathPara xmlns:m="http://schemas.openxmlformats.org/officeDocument/2006/math">
                     <m:oMathParaPr>
@@ -39640,7 +39661,7 @@
             </p:txBody>
           </p:sp>
         </mc:Choice>
-        <mc:Fallback>
+        <mc:Fallback xmlns="">
           <p:sp>
             <p:nvSpPr>
               <p:cNvPr id="78" name="TextBox 77">
@@ -39778,8 +39799,8 @@
           </a:p>
         </p:txBody>
       </p:sp>
-      <mc:AlternateContent xmlns:mc="http://schemas.openxmlformats.org/markup-compatibility/2006">
-        <mc:Choice xmlns:a14="http://schemas.microsoft.com/office/drawing/2010/main" Requires="a14">
+      <mc:AlternateContent xmlns:mc="http://schemas.openxmlformats.org/markup-compatibility/2006" xmlns:a14="http://schemas.microsoft.com/office/drawing/2010/main">
+        <mc:Choice Requires="a14">
           <p:sp>
             <p:nvSpPr>
               <p:cNvPr id="81" name="TextBox 80">
@@ -39808,6 +39829,7 @@
               </a:bodyPr>
               <a:lstStyle/>
               <a:p>
+                <a:pPr/>
                 <a14:m>
                   <m:oMathPara xmlns:m="http://schemas.openxmlformats.org/officeDocument/2006/math">
                     <m:oMathParaPr>
@@ -39847,7 +39869,7 @@
             </p:txBody>
           </p:sp>
         </mc:Choice>
-        <mc:Fallback>
+        <mc:Fallback xmlns="">
           <p:sp>
             <p:nvSpPr>
               <p:cNvPr id="81" name="TextBox 80">
@@ -40779,8 +40801,8 @@
           </a:p>
         </p:txBody>
       </p:sp>
-      <mc:AlternateContent xmlns:mc="http://schemas.openxmlformats.org/markup-compatibility/2006">
-        <mc:Choice xmlns:a14="http://schemas.microsoft.com/office/drawing/2010/main" Requires="a14">
+      <mc:AlternateContent xmlns:mc="http://schemas.openxmlformats.org/markup-compatibility/2006" xmlns:a14="http://schemas.microsoft.com/office/drawing/2010/main">
+        <mc:Choice Requires="a14">
           <p:sp>
             <p:nvSpPr>
               <p:cNvPr id="2" name="TextBox 1">
@@ -41174,7 +41196,7 @@
             </p:txBody>
           </p:sp>
         </mc:Choice>
-        <mc:Fallback>
+        <mc:Fallback xmlns="">
           <p:sp>
             <p:nvSpPr>
               <p:cNvPr id="2" name="TextBox 1">
@@ -41224,8 +41246,8 @@
           </p:sp>
         </mc:Fallback>
       </mc:AlternateContent>
-      <mc:AlternateContent xmlns:mc="http://schemas.openxmlformats.org/markup-compatibility/2006">
-        <mc:Choice xmlns:a14="http://schemas.microsoft.com/office/drawing/2010/main" Requires="a14">
+      <mc:AlternateContent xmlns:mc="http://schemas.openxmlformats.org/markup-compatibility/2006" xmlns:a14="http://schemas.microsoft.com/office/drawing/2010/main">
+        <mc:Choice Requires="a14">
           <p:sp>
             <p:nvSpPr>
               <p:cNvPr id="3" name="TextBox 2">
@@ -41303,7 +41325,7 @@
             </p:txBody>
           </p:sp>
         </mc:Choice>
-        <mc:Fallback>
+        <mc:Fallback xmlns="">
           <p:sp>
             <p:nvSpPr>
               <p:cNvPr id="3" name="TextBox 2">
@@ -41348,8 +41370,8 @@
           </p:sp>
         </mc:Fallback>
       </mc:AlternateContent>
-      <mc:AlternateContent xmlns:mc="http://schemas.openxmlformats.org/markup-compatibility/2006">
-        <mc:Choice xmlns:a14="http://schemas.microsoft.com/office/drawing/2010/main" Requires="a14">
+      <mc:AlternateContent xmlns:mc="http://schemas.openxmlformats.org/markup-compatibility/2006" xmlns:a14="http://schemas.microsoft.com/office/drawing/2010/main">
+        <mc:Choice Requires="a14">
           <p:sp>
             <p:nvSpPr>
               <p:cNvPr id="6" name="TextBox 5">
@@ -41418,7 +41440,7 @@
             </p:txBody>
           </p:sp>
         </mc:Choice>
-        <mc:Fallback>
+        <mc:Fallback xmlns="">
           <p:sp>
             <p:nvSpPr>
               <p:cNvPr id="6" name="TextBox 5">
@@ -41463,8 +41485,8 @@
           </p:sp>
         </mc:Fallback>
       </mc:AlternateContent>
-      <mc:AlternateContent xmlns:mc="http://schemas.openxmlformats.org/markup-compatibility/2006">
-        <mc:Choice xmlns:a14="http://schemas.microsoft.com/office/drawing/2010/main" Requires="a14">
+      <mc:AlternateContent xmlns:mc="http://schemas.openxmlformats.org/markup-compatibility/2006" xmlns:a14="http://schemas.microsoft.com/office/drawing/2010/main">
+        <mc:Choice Requires="a14">
           <p:sp>
             <p:nvSpPr>
               <p:cNvPr id="8" name="TextBox 7">
@@ -41533,7 +41555,7 @@
             </p:txBody>
           </p:sp>
         </mc:Choice>
-        <mc:Fallback>
+        <mc:Fallback xmlns="">
           <p:sp>
             <p:nvSpPr>
               <p:cNvPr id="8" name="TextBox 7">
@@ -41578,8 +41600,8 @@
           </p:sp>
         </mc:Fallback>
       </mc:AlternateContent>
-      <mc:AlternateContent xmlns:mc="http://schemas.openxmlformats.org/markup-compatibility/2006">
-        <mc:Choice xmlns:a14="http://schemas.microsoft.com/office/drawing/2010/main" Requires="a14">
+      <mc:AlternateContent xmlns:mc="http://schemas.openxmlformats.org/markup-compatibility/2006" xmlns:a14="http://schemas.microsoft.com/office/drawing/2010/main">
+        <mc:Choice Requires="a14">
           <p:sp>
             <p:nvSpPr>
               <p:cNvPr id="12" name="TextBox 11">
@@ -41648,7 +41670,7 @@
             </p:txBody>
           </p:sp>
         </mc:Choice>
-        <mc:Fallback>
+        <mc:Fallback xmlns="">
           <p:sp>
             <p:nvSpPr>
               <p:cNvPr id="12" name="TextBox 11">
@@ -41813,8 +41835,8 @@
           </a:fontRef>
         </p:style>
       </p:cxnSp>
-      <mc:AlternateContent xmlns:mc="http://schemas.openxmlformats.org/markup-compatibility/2006">
-        <mc:Choice xmlns:a14="http://schemas.microsoft.com/office/drawing/2010/main" Requires="a14">
+      <mc:AlternateContent xmlns:mc="http://schemas.openxmlformats.org/markup-compatibility/2006" xmlns:a14="http://schemas.microsoft.com/office/drawing/2010/main">
+        <mc:Choice Requires="a14">
           <p:sp>
             <p:nvSpPr>
               <p:cNvPr id="25" name="TextBox 24">
@@ -41883,7 +41905,7 @@
             </p:txBody>
           </p:sp>
         </mc:Choice>
-        <mc:Fallback>
+        <mc:Fallback xmlns="">
           <p:sp>
             <p:nvSpPr>
               <p:cNvPr id="25" name="TextBox 24">
@@ -41968,8 +41990,8 @@
           </a:fontRef>
         </p:style>
       </p:cxnSp>
-      <mc:AlternateContent xmlns:mc="http://schemas.openxmlformats.org/markup-compatibility/2006">
-        <mc:Choice xmlns:a14="http://schemas.microsoft.com/office/drawing/2010/main" Requires="a14">
+      <mc:AlternateContent xmlns:mc="http://schemas.openxmlformats.org/markup-compatibility/2006" xmlns:a14="http://schemas.microsoft.com/office/drawing/2010/main">
+        <mc:Choice Requires="a14">
           <p:sp>
             <p:nvSpPr>
               <p:cNvPr id="27" name="TextBox 26">
@@ -42047,7 +42069,7 @@
             </p:txBody>
           </p:sp>
         </mc:Choice>
-        <mc:Fallback>
+        <mc:Fallback xmlns="">
           <p:sp>
             <p:nvSpPr>
               <p:cNvPr id="27" name="TextBox 26">
@@ -42132,8 +42154,8 @@
           </a:fontRef>
         </p:style>
       </p:cxnSp>
-      <mc:AlternateContent xmlns:mc="http://schemas.openxmlformats.org/markup-compatibility/2006">
-        <mc:Choice xmlns:a14="http://schemas.microsoft.com/office/drawing/2010/main" Requires="a14">
+      <mc:AlternateContent xmlns:mc="http://schemas.openxmlformats.org/markup-compatibility/2006" xmlns:a14="http://schemas.microsoft.com/office/drawing/2010/main">
+        <mc:Choice Requires="a14">
           <p:sp>
             <p:nvSpPr>
               <p:cNvPr id="29" name="TextBox 28">
@@ -42183,7 +42205,7 @@
             </p:txBody>
           </p:sp>
         </mc:Choice>
-        <mc:Fallback>
+        <mc:Fallback xmlns="">
           <p:sp>
             <p:nvSpPr>
               <p:cNvPr id="29" name="TextBox 28">
@@ -42268,8 +42290,8 @@
           </a:fontRef>
         </p:style>
       </p:cxnSp>
-      <mc:AlternateContent xmlns:mc="http://schemas.openxmlformats.org/markup-compatibility/2006">
-        <mc:Choice xmlns:a14="http://schemas.microsoft.com/office/drawing/2010/main" Requires="a14">
+      <mc:AlternateContent xmlns:mc="http://schemas.openxmlformats.org/markup-compatibility/2006" xmlns:a14="http://schemas.microsoft.com/office/drawing/2010/main">
+        <mc:Choice Requires="a14">
           <p:sp>
             <p:nvSpPr>
               <p:cNvPr id="34" name="TextBox 33">
@@ -42387,7 +42409,7 @@
             </p:txBody>
           </p:sp>
         </mc:Choice>
-        <mc:Fallback>
+        <mc:Fallback xmlns="">
           <p:sp>
             <p:nvSpPr>
               <p:cNvPr id="34" name="TextBox 33">
@@ -42570,7 +42592,7 @@
       </p:par>
     </p:tnLst>
     <p:bldLst>
-      <p:bldP spid="2" grpId="0"/>
+      <p:bldP spid="2" grpId="0" animBg="1"/>
       <p:bldP spid="34" grpId="0"/>
     </p:bldLst>
   </p:timing>
@@ -43134,18 +43156,18 @@
 </file>
 
 <file path=customXml/item1.xml><?xml version="1.0" encoding="utf-8"?>
-<p:properties xmlns:p="http://schemas.microsoft.com/office/2006/metadata/properties" xmlns:xsi="http://www.w3.org/2001/XMLSchema-instance" xmlns:pc="http://schemas.microsoft.com/office/infopath/2007/PartnerControls">
-  <documentManagement/>
-</p:properties>
-</file>
-
-<file path=customXml/item2.xml><?xml version="1.0" encoding="utf-8"?>
 <?mso-contentType ?>
 <FormTemplates xmlns="http://schemas.microsoft.com/sharepoint/v3/contenttype/forms">
   <Display>DocumentLibraryForm</Display>
   <Edit>DocumentLibraryForm</Edit>
   <New>DocumentLibraryForm</New>
 </FormTemplates>
+</file>
+
+<file path=customXml/item2.xml><?xml version="1.0" encoding="utf-8"?>
+<p:properties xmlns:p="http://schemas.microsoft.com/office/2006/metadata/properties" xmlns:xsi="http://www.w3.org/2001/XMLSchema-instance" xmlns:pc="http://schemas.microsoft.com/office/infopath/2007/PartnerControls">
+  <documentManagement/>
+</p:properties>
 </file>
 
 <file path=customXml/item3.xml><?xml version="1.0" encoding="utf-8"?>
@@ -43281,18 +43303,18 @@
 </file>
 
 <file path=customXml/itemProps1.xml><?xml version="1.0" encoding="utf-8"?>
-<ds:datastoreItem xmlns:ds="http://schemas.openxmlformats.org/officeDocument/2006/customXml" ds:itemID="{7ACF14CA-9E7F-410C-99DF-E0FAFDE78C11}">
+<ds:datastoreItem xmlns:ds="http://schemas.openxmlformats.org/officeDocument/2006/customXml" ds:itemID="{6C1A3F1B-CE3A-47AB-9F84-47E786467973}">
   <ds:schemaRefs>
-    <ds:schemaRef ds:uri="http://schemas.microsoft.com/office/2006/metadata/properties"/>
-    <ds:schemaRef ds:uri="http://schemas.microsoft.com/office/infopath/2007/PartnerControls"/>
+    <ds:schemaRef ds:uri="http://schemas.microsoft.com/sharepoint/v3/contenttype/forms"/>
   </ds:schemaRefs>
 </ds:datastoreItem>
 </file>
 
 <file path=customXml/itemProps2.xml><?xml version="1.0" encoding="utf-8"?>
-<ds:datastoreItem xmlns:ds="http://schemas.openxmlformats.org/officeDocument/2006/customXml" ds:itemID="{6C1A3F1B-CE3A-47AB-9F84-47E786467973}">
+<ds:datastoreItem xmlns:ds="http://schemas.openxmlformats.org/officeDocument/2006/customXml" ds:itemID="{7ACF14CA-9E7F-410C-99DF-E0FAFDE78C11}">
   <ds:schemaRefs>
-    <ds:schemaRef ds:uri="http://schemas.microsoft.com/sharepoint/v3/contenttype/forms"/>
+    <ds:schemaRef ds:uri="http://schemas.microsoft.com/office/2006/metadata/properties"/>
+    <ds:schemaRef ds:uri="http://schemas.microsoft.com/office/infopath/2007/PartnerControls"/>
   </ds:schemaRefs>
 </ds:datastoreItem>
 </file>

--- a/Week 2 - Training Neural Networks/Training Neural Networks.pptx
+++ b/Week 2 - Training Neural Networks/Training Neural Networks.pptx
@@ -25704,8 +25704,8 @@
           </a:p>
         </p:txBody>
       </p:sp>
-      <mc:AlternateContent xmlns:mc="http://schemas.openxmlformats.org/markup-compatibility/2006" xmlns:a14="http://schemas.microsoft.com/office/drawing/2010/main">
-        <mc:Choice Requires="a14">
+      <mc:AlternateContent xmlns:mc="http://schemas.openxmlformats.org/markup-compatibility/2006">
+        <mc:Choice xmlns:a14="http://schemas.microsoft.com/office/drawing/2010/main" Requires="a14">
           <p:sp>
             <p:nvSpPr>
               <p:cNvPr id="3" name="TextBox 2">
@@ -25720,7 +25720,7 @@
             </p:nvSpPr>
             <p:spPr>
               <a:xfrm>
-                <a:off x="43450" y="713964"/>
+                <a:off x="186890" y="517766"/>
                 <a:ext cx="4386247" cy="1045735"/>
               </a:xfrm>
               <a:prstGeom prst="rect">
@@ -25922,7 +25922,7 @@
             </p:txBody>
           </p:sp>
         </mc:Choice>
-        <mc:Fallback xmlns="">
+        <mc:Fallback>
           <p:sp>
             <p:nvSpPr>
               <p:cNvPr id="3" name="TextBox 2">
@@ -25939,7 +25939,7 @@
             </p:nvSpPr>
             <p:spPr>
               <a:xfrm>
-                <a:off x="43450" y="713964"/>
+                <a:off x="186890" y="517766"/>
                 <a:ext cx="4386247" cy="1045735"/>
               </a:xfrm>
               <a:prstGeom prst="rect">
@@ -25948,7 +25948,7 @@
               <a:blipFill>
                 <a:blip r:embed="rId4"/>
                 <a:stretch>
-                  <a:fillRect/>
+                  <a:fillRect t="-2410" b="-4819"/>
                 </a:stretch>
               </a:blipFill>
             </p:spPr>
@@ -25957,7 +25957,7 @@
               <a:lstStyle/>
               <a:p>
                 <a:r>
-                  <a:rPr lang="en-PH">
+                  <a:rPr lang="en-US">
                     <a:noFill/>
                   </a:rPr>
                   <a:t> </a:t>
@@ -25967,8 +25967,8 @@
           </p:sp>
         </mc:Fallback>
       </mc:AlternateContent>
-      <mc:AlternateContent xmlns:mc="http://schemas.openxmlformats.org/markup-compatibility/2006" xmlns:a14="http://schemas.microsoft.com/office/drawing/2010/main">
-        <mc:Choice Requires="a14">
+      <mc:AlternateContent xmlns:mc="http://schemas.openxmlformats.org/markup-compatibility/2006">
+        <mc:Choice xmlns:a14="http://schemas.microsoft.com/office/drawing/2010/main" Requires="a14">
           <p:sp>
             <p:nvSpPr>
               <p:cNvPr id="6" name="TextBox 5">
@@ -25983,7 +25983,7 @@
             </p:nvSpPr>
             <p:spPr>
               <a:xfrm>
-                <a:off x="286991" y="4258052"/>
+                <a:off x="46339" y="5136387"/>
                 <a:ext cx="4526798" cy="970202"/>
               </a:xfrm>
               <a:prstGeom prst="rect">
@@ -26166,7 +26166,7 @@
             </p:txBody>
           </p:sp>
         </mc:Choice>
-        <mc:Fallback xmlns="">
+        <mc:Fallback>
           <p:sp>
             <p:nvSpPr>
               <p:cNvPr id="6" name="TextBox 5">
@@ -26183,7 +26183,7 @@
             </p:nvSpPr>
             <p:spPr>
               <a:xfrm>
-                <a:off x="286991" y="4258052"/>
+                <a:off x="46339" y="5136387"/>
                 <a:ext cx="4526798" cy="970202"/>
               </a:xfrm>
               <a:prstGeom prst="rect">
@@ -26192,7 +26192,7 @@
               <a:blipFill>
                 <a:blip r:embed="rId5"/>
                 <a:stretch>
-                  <a:fillRect/>
+                  <a:fillRect t="-1250" b="-20000"/>
                 </a:stretch>
               </a:blipFill>
               <a:ln w="38100">
@@ -26206,7 +26206,7 @@
               <a:lstStyle/>
               <a:p>
                 <a:r>
-                  <a:rPr lang="en-PH">
+                  <a:rPr lang="en-US">
                     <a:noFill/>
                   </a:rPr>
                   <a:t> </a:t>
@@ -26232,8 +26232,8 @@
             </p:nvSpPr>
             <p:spPr>
               <a:xfrm>
-                <a:off x="0" y="1860060"/>
-                <a:ext cx="5100780" cy="1045735"/>
+                <a:off x="-193976" y="2815071"/>
+                <a:ext cx="4943183" cy="1045735"/>
               </a:xfrm>
               <a:prstGeom prst="rect">
                 <a:avLst/>
@@ -26321,42 +26321,14 @@
                         <m:t>=</m:t>
                       </m:r>
                       <m:r>
-                        <a:rPr lang="en-US" sz="3000" b="1" i="1" smtClean="0">
+                        <a:rPr lang="en-GB" sz="3000" b="1" i="1" smtClean="0">
                           <a:latin typeface="Cambria Math" panose="02040503050406030204" pitchFamily="18" charset="0"/>
                           <a:ea typeface="Cambria Math" panose="02040503050406030204" pitchFamily="18" charset="0"/>
                         </a:rPr>
-                        <m:t>𝟏</m:t>
+                        <m:t>𝟑</m:t>
                       </m:r>
                       <m:r>
                         <a:rPr lang="en-US" sz="3000" b="1" i="1" smtClean="0">
-                          <a:latin typeface="Cambria Math" panose="02040503050406030204" pitchFamily="18" charset="0"/>
-                          <a:ea typeface="Cambria Math" panose="02040503050406030204" pitchFamily="18" charset="0"/>
-                        </a:rPr>
-                        <m:t>.</m:t>
-                      </m:r>
-                      <m:r>
-                        <a:rPr lang="en-US" sz="3000" b="1" i="1" smtClean="0">
-                          <a:latin typeface="Cambria Math" panose="02040503050406030204" pitchFamily="18" charset="0"/>
-                          <a:ea typeface="Cambria Math" panose="02040503050406030204" pitchFamily="18" charset="0"/>
-                        </a:rPr>
-                        <m:t>𝟓</m:t>
-                      </m:r>
-                      <m:r>
-                        <a:rPr lang="en-US" sz="3000" b="1" i="1">
-                          <a:latin typeface="Cambria Math" panose="02040503050406030204" pitchFamily="18" charset="0"/>
-                          <a:ea typeface="Cambria Math" panose="02040503050406030204" pitchFamily="18" charset="0"/>
-                        </a:rPr>
-                        <m:t>∗</m:t>
-                      </m:r>
-                      <m:r>
-                        <a:rPr lang="en-US" sz="3000" b="1" i="1">
-                          <a:latin typeface="Cambria Math" panose="02040503050406030204" pitchFamily="18" charset="0"/>
-                          <a:ea typeface="Cambria Math" panose="02040503050406030204" pitchFamily="18" charset="0"/>
-                        </a:rPr>
-                        <m:t>𝟐</m:t>
-                      </m:r>
-                      <m:r>
-                        <a:rPr lang="en-US" sz="3000" b="1" i="1">
                           <a:latin typeface="Cambria Math" panose="02040503050406030204" pitchFamily="18" charset="0"/>
                           <a:ea typeface="Cambria Math" panose="02040503050406030204" pitchFamily="18" charset="0"/>
                         </a:rPr>
@@ -26483,8 +26455,8 @@
             </p:nvSpPr>
             <p:spPr>
               <a:xfrm>
-                <a:off x="0" y="1860060"/>
-                <a:ext cx="5100780" cy="1045735"/>
+                <a:off x="-193976" y="2815071"/>
+                <a:ext cx="4943183" cy="1045735"/>
               </a:xfrm>
               <a:prstGeom prst="rect">
                 <a:avLst/>
@@ -26492,7 +26464,7 @@
               <a:blipFill>
                 <a:blip r:embed="rId6"/>
                 <a:stretch>
-                  <a:fillRect b="-3614"/>
+                  <a:fillRect b="-4819"/>
                 </a:stretch>
               </a:blipFill>
             </p:spPr>
@@ -26527,7 +26499,7 @@
             </p:nvSpPr>
             <p:spPr>
               <a:xfrm>
-                <a:off x="32092" y="3006157"/>
+                <a:off x="69325" y="3966231"/>
                 <a:ext cx="5830872" cy="1045735"/>
               </a:xfrm>
               <a:prstGeom prst="rect">
@@ -26620,41 +26592,6 @@
                           <a:latin typeface="Cambria Math" panose="02040503050406030204" pitchFamily="18" charset="0"/>
                           <a:ea typeface="Cambria Math" panose="02040503050406030204" pitchFamily="18" charset="0"/>
                         </a:rPr>
-                        <m:t>𝟏</m:t>
-                      </m:r>
-                      <m:r>
-                        <a:rPr lang="en-US" sz="3000" b="1" i="1" smtClean="0">
-                          <a:latin typeface="Cambria Math" panose="02040503050406030204" pitchFamily="18" charset="0"/>
-                          <a:ea typeface="Cambria Math" panose="02040503050406030204" pitchFamily="18" charset="0"/>
-                        </a:rPr>
-                        <m:t>.</m:t>
-                      </m:r>
-                      <m:r>
-                        <a:rPr lang="en-US" sz="3000" b="1" i="1" smtClean="0">
-                          <a:latin typeface="Cambria Math" panose="02040503050406030204" pitchFamily="18" charset="0"/>
-                          <a:ea typeface="Cambria Math" panose="02040503050406030204" pitchFamily="18" charset="0"/>
-                        </a:rPr>
-                        <m:t>𝟓</m:t>
-                      </m:r>
-                      <m:r>
-                        <a:rPr lang="en-US" sz="3000" b="1" i="1">
-                          <a:latin typeface="Cambria Math" panose="02040503050406030204" pitchFamily="18" charset="0"/>
-                          <a:ea typeface="Cambria Math" panose="02040503050406030204" pitchFamily="18" charset="0"/>
-                        </a:rPr>
-                        <m:t>∗</m:t>
-                      </m:r>
-                      <m:r>
-                        <a:rPr lang="en-US" sz="3000" b="1" i="1">
-                          <a:latin typeface="Cambria Math" panose="02040503050406030204" pitchFamily="18" charset="0"/>
-                          <a:ea typeface="Cambria Math" panose="02040503050406030204" pitchFamily="18" charset="0"/>
-                        </a:rPr>
-                        <m:t>𝟐</m:t>
-                      </m:r>
-                      <m:r>
-                        <a:rPr lang="en-US" sz="3000" b="1" i="1">
-                          <a:latin typeface="Cambria Math" panose="02040503050406030204" pitchFamily="18" charset="0"/>
-                          <a:ea typeface="Cambria Math" panose="02040503050406030204" pitchFamily="18" charset="0"/>
-                        </a:rPr>
                         <m:t> </m:t>
                       </m:r>
                       <m:d>
@@ -26677,6 +26614,27 @@
                               </m:ctrlPr>
                             </m:sSubPr>
                             <m:e>
+                              <m:r>
+                                <a:rPr lang="en-GB" sz="3000" b="1" i="1" smtClean="0">
+                                  <a:latin typeface="Cambria Math" panose="02040503050406030204" pitchFamily="18" charset="0"/>
+                                  <a:ea typeface="Cambria Math" panose="02040503050406030204" pitchFamily="18" charset="0"/>
+                                </a:rPr>
+                                <m:t>(</m:t>
+                              </m:r>
+                              <m:r>
+                                <a:rPr lang="en-GB" sz="3000" b="1" i="1" smtClean="0">
+                                  <a:latin typeface="Cambria Math" panose="02040503050406030204" pitchFamily="18" charset="0"/>
+                                  <a:ea typeface="Cambria Math" panose="02040503050406030204" pitchFamily="18" charset="0"/>
+                                </a:rPr>
+                                <m:t>𝟑</m:t>
+                              </m:r>
+                              <m:r>
+                                <a:rPr lang="en-GB" sz="3000" b="1" i="1" smtClean="0">
+                                  <a:latin typeface="Cambria Math" panose="02040503050406030204" pitchFamily="18" charset="0"/>
+                                  <a:ea typeface="Cambria Math" panose="02040503050406030204" pitchFamily="18" charset="0"/>
+                                </a:rPr>
+                                <m:t>)</m:t>
+                              </m:r>
                               <m:r>
                                 <a:rPr lang="en-US" sz="3000" b="1" i="1" smtClean="0">
                                   <a:latin typeface="Cambria Math" panose="02040503050406030204" pitchFamily="18" charset="0"/>
@@ -26735,6 +26693,25 @@
                             </a:rPr>
                             <m:t>−</m:t>
                           </m:r>
+                          <m:d>
+                            <m:dPr>
+                              <m:ctrlPr>
+                                <a:rPr lang="en-GB" sz="3000" b="1" i="1" smtClean="0">
+                                  <a:latin typeface="Cambria Math" panose="02040503050406030204" pitchFamily="18" charset="0"/>
+                                  <a:ea typeface="Cambria Math" panose="02040503050406030204" pitchFamily="18" charset="0"/>
+                                </a:rPr>
+                              </m:ctrlPr>
+                            </m:dPr>
+                            <m:e>
+                              <m:r>
+                                <a:rPr lang="en-GB" sz="3000" b="1" i="1" smtClean="0">
+                                  <a:latin typeface="Cambria Math" panose="02040503050406030204" pitchFamily="18" charset="0"/>
+                                  <a:ea typeface="Cambria Math" panose="02040503050406030204" pitchFamily="18" charset="0"/>
+                                </a:rPr>
+                                <m:t>𝟑</m:t>
+                              </m:r>
+                            </m:e>
+                          </m:d>
                           <m:r>
                             <a:rPr lang="en-GB" sz="3000" b="1" i="1" smtClean="0">
                               <a:latin typeface="Cambria Math" panose="02040503050406030204" pitchFamily="18" charset="0"/>
@@ -26758,13 +26735,6 @@
                           </m:r>
                         </m:e>
                       </m:d>
-                      <m:r>
-                        <a:rPr lang="en-US" sz="3000" b="1" i="1" smtClean="0">
-                          <a:latin typeface="Cambria Math" panose="02040503050406030204" pitchFamily="18" charset="0"/>
-                          <a:ea typeface="Cambria Math" panose="02040503050406030204" pitchFamily="18" charset="0"/>
-                        </a:rPr>
-                        <m:t>)</m:t>
-                      </m:r>
                     </m:oMath>
                   </m:oMathPara>
                 </a14:m>
@@ -26793,7 +26763,7 @@
             </p:nvSpPr>
             <p:spPr>
               <a:xfrm>
-                <a:off x="32092" y="3006157"/>
+                <a:off x="69325" y="3966231"/>
                 <a:ext cx="5830872" cy="1045735"/>
               </a:xfrm>
               <a:prstGeom prst="rect">
@@ -26802,7 +26772,228 @@
               <a:blipFill>
                 <a:blip r:embed="rId7"/>
                 <a:stretch>
-                  <a:fillRect b="-3571"/>
+                  <a:fillRect b="-3614"/>
+                </a:stretch>
+              </a:blipFill>
+            </p:spPr>
+            <p:txBody>
+              <a:bodyPr/>
+              <a:lstStyle/>
+              <a:p>
+                <a:r>
+                  <a:rPr lang="en-US">
+                    <a:noFill/>
+                  </a:rPr>
+                  <a:t> </a:t>
+                </a:r>
+              </a:p>
+            </p:txBody>
+          </p:sp>
+        </mc:Fallback>
+      </mc:AlternateContent>
+      <mc:AlternateContent xmlns:mc="http://schemas.openxmlformats.org/markup-compatibility/2006">
+        <mc:Choice xmlns:a14="http://schemas.microsoft.com/office/drawing/2010/main" Requires="a14">
+          <p:sp>
+            <p:nvSpPr>
+              <p:cNvPr id="4" name="TextBox 3">
+                <a:extLst>
+                  <a:ext uri="{FF2B5EF4-FFF2-40B4-BE49-F238E27FC236}">
+                    <a16:creationId xmlns:a16="http://schemas.microsoft.com/office/drawing/2014/main" id="{E5A6E19C-8C9B-ABA7-0EEC-5E1742EBADA6}"/>
+                  </a:ext>
+                </a:extLst>
+              </p:cNvPr>
+              <p:cNvSpPr txBox="1"/>
+              <p:nvPr/>
+            </p:nvSpPr>
+            <p:spPr>
+              <a:xfrm>
+                <a:off x="-23542" y="1668926"/>
+                <a:ext cx="3815275" cy="1045735"/>
+              </a:xfrm>
+              <a:prstGeom prst="rect">
+                <a:avLst/>
+              </a:prstGeom>
+              <a:noFill/>
+            </p:spPr>
+            <p:txBody>
+              <a:bodyPr wrap="square" rtlCol="0">
+                <a:spAutoFit/>
+              </a:bodyPr>
+              <a:lstStyle/>
+              <a:p>
+                <a:pPr/>
+                <a14:m>
+                  <m:oMathPara xmlns:m="http://schemas.openxmlformats.org/officeDocument/2006/math">
+                    <m:oMathParaPr>
+                      <m:jc m:val="centerGroup"/>
+                    </m:oMathParaPr>
+                    <m:oMath xmlns:m="http://schemas.openxmlformats.org/officeDocument/2006/math">
+                      <m:f>
+                        <m:fPr>
+                          <m:ctrlPr>
+                            <a:rPr lang="en-US" sz="3000" b="1" i="1" smtClean="0">
+                              <a:latin typeface="Cambria Math" panose="02040503050406030204" pitchFamily="18" charset="0"/>
+                              <a:ea typeface="Cambria Math" panose="02040503050406030204" pitchFamily="18" charset="0"/>
+                            </a:rPr>
+                          </m:ctrlPr>
+                        </m:fPr>
+                        <m:num>
+                          <m:r>
+                            <a:rPr lang="en-US" sz="3000" b="1" i="1" smtClean="0">
+                              <a:latin typeface="Cambria Math" panose="02040503050406030204" pitchFamily="18" charset="0"/>
+                              <a:ea typeface="Cambria Math" panose="02040503050406030204" pitchFamily="18" charset="0"/>
+                            </a:rPr>
+                            <m:t>𝝏</m:t>
+                          </m:r>
+                          <m:r>
+                            <a:rPr lang="en-US" sz="3000" b="1" i="1" smtClean="0">
+                              <a:latin typeface="Cambria Math" panose="02040503050406030204" pitchFamily="18" charset="0"/>
+                              <a:ea typeface="Cambria Math" panose="02040503050406030204" pitchFamily="18" charset="0"/>
+                            </a:rPr>
+                            <m:t>𝑪</m:t>
+                          </m:r>
+                        </m:num>
+                        <m:den>
+                          <m:r>
+                            <a:rPr lang="en-US" sz="3000" b="1" i="1" smtClean="0">
+                              <a:latin typeface="Cambria Math" panose="02040503050406030204" pitchFamily="18" charset="0"/>
+                              <a:ea typeface="Cambria Math" panose="02040503050406030204" pitchFamily="18" charset="0"/>
+                            </a:rPr>
+                            <m:t>𝝏</m:t>
+                          </m:r>
+                          <m:sSub>
+                            <m:sSubPr>
+                              <m:ctrlPr>
+                                <a:rPr lang="en-US" sz="3000" b="1" i="1">
+                                  <a:latin typeface="Cambria Math" panose="02040503050406030204" pitchFamily="18" charset="0"/>
+                                </a:rPr>
+                              </m:ctrlPr>
+                            </m:sSubPr>
+                            <m:e>
+                              <m:r>
+                                <a:rPr lang="en-US" sz="3000" b="1" i="1">
+                                  <a:latin typeface="Cambria Math" panose="02040503050406030204" pitchFamily="18" charset="0"/>
+                                </a:rPr>
+                                <m:t>𝒘</m:t>
+                              </m:r>
+                            </m:e>
+                            <m:sub>
+                              <m:r>
+                                <a:rPr lang="en-US" sz="3000" b="1" i="1">
+                                  <a:latin typeface="Cambria Math" panose="02040503050406030204" pitchFamily="18" charset="0"/>
+                                </a:rPr>
+                                <m:t>𝟏</m:t>
+                              </m:r>
+                            </m:sub>
+                          </m:sSub>
+                        </m:den>
+                      </m:f>
+                      <m:r>
+                        <a:rPr lang="en-US" sz="3000" b="1" i="1">
+                          <a:latin typeface="Cambria Math" panose="02040503050406030204" pitchFamily="18" charset="0"/>
+                          <a:ea typeface="Cambria Math" panose="02040503050406030204" pitchFamily="18" charset="0"/>
+                        </a:rPr>
+                        <m:t>=</m:t>
+                      </m:r>
+                      <m:r>
+                        <a:rPr lang="en-GB" sz="3000" b="1" i="1" smtClean="0">
+                          <a:latin typeface="Cambria Math" panose="02040503050406030204" pitchFamily="18" charset="0"/>
+                          <a:ea typeface="Cambria Math" panose="02040503050406030204" pitchFamily="18" charset="0"/>
+                        </a:rPr>
+                        <m:t>𝟑</m:t>
+                      </m:r>
+                      <m:d>
+                        <m:dPr>
+                          <m:ctrlPr>
+                            <a:rPr lang="en-US" sz="3000" b="1" i="1">
+                              <a:latin typeface="Cambria Math" panose="02040503050406030204" pitchFamily="18" charset="0"/>
+                              <a:ea typeface="Cambria Math" panose="02040503050406030204" pitchFamily="18" charset="0"/>
+                            </a:rPr>
+                          </m:ctrlPr>
+                        </m:dPr>
+                        <m:e>
+                          <m:sSub>
+                            <m:sSubPr>
+                              <m:ctrlPr>
+                                <a:rPr lang="en-US" sz="3000" b="1" i="1">
+                                  <a:latin typeface="Cambria Math" panose="02040503050406030204" pitchFamily="18" charset="0"/>
+                                  <a:ea typeface="Cambria Math" panose="02040503050406030204" pitchFamily="18" charset="0"/>
+                                </a:rPr>
+                              </m:ctrlPr>
+                            </m:sSubPr>
+                            <m:e>
+                              <m:r>
+                                <a:rPr lang="en-US" sz="3000" b="1" i="1">
+                                  <a:latin typeface="Cambria Math" panose="02040503050406030204" pitchFamily="18" charset="0"/>
+                                  <a:ea typeface="Cambria Math" panose="02040503050406030204" pitchFamily="18" charset="0"/>
+                                </a:rPr>
+                                <m:t>𝒛</m:t>
+                              </m:r>
+                            </m:e>
+                            <m:sub>
+                              <m:r>
+                                <a:rPr lang="en-US" sz="3000" b="1" i="1">
+                                  <a:latin typeface="Cambria Math" panose="02040503050406030204" pitchFamily="18" charset="0"/>
+                                  <a:ea typeface="Cambria Math" panose="02040503050406030204" pitchFamily="18" charset="0"/>
+                                </a:rPr>
+                                <m:t>𝟐</m:t>
+                              </m:r>
+                            </m:sub>
+                          </m:sSub>
+                          <m:r>
+                            <a:rPr lang="en-US" sz="3000" b="1" i="1">
+                              <a:latin typeface="Cambria Math" panose="02040503050406030204" pitchFamily="18" charset="0"/>
+                              <a:ea typeface="Cambria Math" panose="02040503050406030204" pitchFamily="18" charset="0"/>
+                            </a:rPr>
+                            <m:t>−</m:t>
+                          </m:r>
+                          <m:r>
+                            <a:rPr lang="en-US" sz="3000" b="1" i="1">
+                              <a:latin typeface="Cambria Math" panose="02040503050406030204" pitchFamily="18" charset="0"/>
+                              <a:ea typeface="Cambria Math" panose="02040503050406030204" pitchFamily="18" charset="0"/>
+                            </a:rPr>
+                            <m:t>𝒚</m:t>
+                          </m:r>
+                        </m:e>
+                      </m:d>
+                    </m:oMath>
+                  </m:oMathPara>
+                </a14:m>
+                <a:endParaRPr lang="en-PH" sz="3000" b="1" dirty="0">
+                  <a:latin typeface="Cambria Math" panose="02040503050406030204" pitchFamily="18" charset="0"/>
+                  <a:ea typeface="Cambria Math" panose="02040503050406030204" pitchFamily="18" charset="0"/>
+                </a:endParaRPr>
+              </a:p>
+            </p:txBody>
+          </p:sp>
+        </mc:Choice>
+        <mc:Fallback>
+          <p:sp>
+            <p:nvSpPr>
+              <p:cNvPr id="4" name="TextBox 3">
+                <a:extLst>
+                  <a:ext uri="{FF2B5EF4-FFF2-40B4-BE49-F238E27FC236}">
+                    <a16:creationId xmlns:a16="http://schemas.microsoft.com/office/drawing/2014/main" id="{E5A6E19C-8C9B-ABA7-0EEC-5E1742EBADA6}"/>
+                  </a:ext>
+                </a:extLst>
+              </p:cNvPr>
+              <p:cNvSpPr txBox="1">
+                <a:spLocks noRot="1" noChangeAspect="1" noMove="1" noResize="1" noEditPoints="1" noAdjustHandles="1" noChangeArrowheads="1" noChangeShapeType="1" noTextEdit="1"/>
+              </p:cNvSpPr>
+              <p:nvPr/>
+            </p:nvSpPr>
+            <p:spPr>
+              <a:xfrm>
+                <a:off x="-23542" y="1668926"/>
+                <a:ext cx="3815275" cy="1045735"/>
+              </a:xfrm>
+              <a:prstGeom prst="rect">
+                <a:avLst/>
+              </a:prstGeom>
+              <a:blipFill>
+                <a:blip r:embed="rId8"/>
+                <a:stretch>
+                  <a:fillRect b="-3614"/>
                 </a:stretch>
               </a:blipFill>
             </p:spPr>

--- a/Week 2 - Training Neural Networks/Training Neural Networks.pptx
+++ b/Week 2 - Training Neural Networks/Training Neural Networks.pptx
@@ -19662,8 +19662,8 @@
           </p:sp>
         </mc:Fallback>
       </mc:AlternateContent>
-      <mc:AlternateContent xmlns:mc="http://schemas.openxmlformats.org/markup-compatibility/2006">
-        <mc:Choice xmlns:a14="http://schemas.microsoft.com/office/drawing/2010/main" Requires="a14">
+      <mc:AlternateContent xmlns:mc="http://schemas.openxmlformats.org/markup-compatibility/2006" xmlns:a14="http://schemas.microsoft.com/office/drawing/2010/main">
+        <mc:Choice Requires="a14">
           <p:graphicFrame>
             <p:nvGraphicFramePr>
               <p:cNvPr id="3" name="Table 2">
@@ -19816,7 +19816,7 @@
             </a:graphic>
           </p:graphicFrame>
         </mc:Choice>
-        <mc:Fallback>
+        <mc:Fallback xmlns="">
           <p:graphicFrame>
             <p:nvGraphicFramePr>
               <p:cNvPr id="3" name="Table 2">
@@ -22510,7 +22510,19 @@
               <a:rPr lang="en-US" sz="2900" b="1" dirty="0">
                 <a:latin typeface="Calibri Body"/>
               </a:rPr>
-              <a:t>What is Back Propagation?</a:t>
+              <a:t>What </a:t>
+            </a:r>
+            <a:r>
+              <a:rPr lang="en-US" sz="2900" b="1">
+                <a:latin typeface="Calibri Body"/>
+              </a:rPr>
+              <a:t>is Backpropagation</a:t>
+            </a:r>
+            <a:r>
+              <a:rPr lang="en-US" sz="2900" b="1" dirty="0">
+                <a:latin typeface="Calibri Body"/>
+              </a:rPr>
+              <a:t>?</a:t>
             </a:r>
           </a:p>
           <a:p>
@@ -22537,7 +22549,7 @@
                 </a:solidFill>
                 <a:latin typeface="Calibri Body"/>
               </a:rPr>
-              <a:t>Back Propagation Example</a:t>
+              <a:t>Backpropagation Example</a:t>
             </a:r>
           </a:p>
           <a:p>
@@ -22581,7 +22593,7 @@
           </a:p>
           <a:p>
             <a:pPr algn="l"/>
-            <a:endParaRPr lang="en-US" sz="2900" b="1">
+            <a:endParaRPr lang="en-US" sz="2900" b="1" dirty="0">
               <a:solidFill>
                 <a:schemeClr val="tx1">
                   <a:lumMod val="50000"/>
@@ -25763,13 +25775,6 @@
                               <a:latin typeface="Cambria Math" panose="02040503050406030204" pitchFamily="18" charset="0"/>
                               <a:ea typeface="Cambria Math" panose="02040503050406030204" pitchFamily="18" charset="0"/>
                             </a:rPr>
-                            <m:t> </m:t>
-                          </m:r>
-                          <m:r>
-                            <a:rPr lang="en-US" sz="3000" b="1" i="1" smtClean="0">
-                              <a:latin typeface="Cambria Math" panose="02040503050406030204" pitchFamily="18" charset="0"/>
-                              <a:ea typeface="Cambria Math" panose="02040503050406030204" pitchFamily="18" charset="0"/>
-                            </a:rPr>
                             <m:t>𝑪</m:t>
                           </m:r>
                         </m:num>
@@ -25948,7 +25953,7 @@
               <a:blipFill>
                 <a:blip r:embed="rId4"/>
                 <a:stretch>
-                  <a:fillRect t="-2410" b="-4819"/>
+                  <a:fillRect b="-4819"/>
                 </a:stretch>
               </a:blipFill>
             </p:spPr>
@@ -26038,13 +26043,6 @@
                               <a:ea typeface="Cambria Math" panose="02040503050406030204" pitchFamily="18" charset="0"/>
                             </a:rPr>
                             <m:t>𝝏</m:t>
-                          </m:r>
-                          <m:r>
-                            <a:rPr lang="en-US" sz="3000" b="1" i="1">
-                              <a:latin typeface="Cambria Math" panose="02040503050406030204" pitchFamily="18" charset="0"/>
-                              <a:ea typeface="Cambria Math" panose="02040503050406030204" pitchFamily="18" charset="0"/>
-                            </a:rPr>
-                            <m:t> </m:t>
                           </m:r>
                           <m:r>
                             <a:rPr lang="en-US" sz="3000" b="1" i="1">
@@ -26192,7 +26190,7 @@
               <a:blipFill>
                 <a:blip r:embed="rId5"/>
                 <a:stretch>
-                  <a:fillRect t="-1250" b="-20000"/>
+                  <a:fillRect b="-20000"/>
                 </a:stretch>
               </a:blipFill>
               <a:ln w="38100">
@@ -26216,8 +26214,8 @@
           </p:sp>
         </mc:Fallback>
       </mc:AlternateContent>
-      <mc:AlternateContent xmlns:mc="http://schemas.openxmlformats.org/markup-compatibility/2006">
-        <mc:Choice xmlns:a14="http://schemas.microsoft.com/office/drawing/2010/main" Requires="a14">
+      <mc:AlternateContent xmlns:mc="http://schemas.openxmlformats.org/markup-compatibility/2006" xmlns:a14="http://schemas.microsoft.com/office/drawing/2010/main">
+        <mc:Choice Requires="a14">
           <p:sp>
             <p:nvSpPr>
               <p:cNvPr id="9" name="TextBox 8">
@@ -26438,7 +26436,7 @@
             </p:txBody>
           </p:sp>
         </mc:Choice>
-        <mc:Fallback>
+        <mc:Fallback xmlns="">
           <p:sp>
             <p:nvSpPr>
               <p:cNvPr id="9" name="TextBox 8">
@@ -26483,8 +26481,8 @@
           </p:sp>
         </mc:Fallback>
       </mc:AlternateContent>
-      <mc:AlternateContent xmlns:mc="http://schemas.openxmlformats.org/markup-compatibility/2006">
-        <mc:Choice xmlns:a14="http://schemas.microsoft.com/office/drawing/2010/main" Requires="a14">
+      <mc:AlternateContent xmlns:mc="http://schemas.openxmlformats.org/markup-compatibility/2006" xmlns:a14="http://schemas.microsoft.com/office/drawing/2010/main">
+        <mc:Choice Requires="a14">
           <p:sp>
             <p:nvSpPr>
               <p:cNvPr id="12" name="TextBox 11">
@@ -26746,7 +26744,7 @@
             </p:txBody>
           </p:sp>
         </mc:Choice>
-        <mc:Fallback>
+        <mc:Fallback xmlns="">
           <p:sp>
             <p:nvSpPr>
               <p:cNvPr id="12" name="TextBox 11">
@@ -26791,8 +26789,8 @@
           </p:sp>
         </mc:Fallback>
       </mc:AlternateContent>
-      <mc:AlternateContent xmlns:mc="http://schemas.openxmlformats.org/markup-compatibility/2006">
-        <mc:Choice xmlns:a14="http://schemas.microsoft.com/office/drawing/2010/main" Requires="a14">
+      <mc:AlternateContent xmlns:mc="http://schemas.openxmlformats.org/markup-compatibility/2006" xmlns:a14="http://schemas.microsoft.com/office/drawing/2010/main">
+        <mc:Choice Requires="a14">
           <p:sp>
             <p:nvSpPr>
               <p:cNvPr id="4" name="TextBox 3">
@@ -26967,7 +26965,7 @@
             </p:txBody>
           </p:sp>
         </mc:Choice>
-        <mc:Fallback>
+        <mc:Fallback xmlns="">
           <p:sp>
             <p:nvSpPr>
               <p:cNvPr id="4" name="TextBox 3">
@@ -27683,8 +27681,8 @@
           </a:p>
         </p:txBody>
       </p:sp>
-      <mc:AlternateContent xmlns:mc="http://schemas.openxmlformats.org/markup-compatibility/2006" xmlns:a14="http://schemas.microsoft.com/office/drawing/2010/main">
-        <mc:Choice Requires="a14">
+      <mc:AlternateContent xmlns:mc="http://schemas.openxmlformats.org/markup-compatibility/2006">
+        <mc:Choice xmlns:a14="http://schemas.microsoft.com/office/drawing/2010/main" Requires="a14">
           <p:sp>
             <p:nvSpPr>
               <p:cNvPr id="3" name="TextBox 2">
@@ -27829,13 +27827,6 @@
                             <a:latin typeface="Cambria Math" panose="02040503050406030204" pitchFamily="18" charset="0"/>
                             <a:ea typeface="Cambria Math" panose="02040503050406030204" pitchFamily="18" charset="0"/>
                           </a:rPr>
-                          <m:t> </m:t>
-                        </m:r>
-                        <m:r>
-                          <a:rPr lang="en-US" sz="3000" b="1" i="1" dirty="0" smtClean="0">
-                            <a:latin typeface="Cambria Math" panose="02040503050406030204" pitchFamily="18" charset="0"/>
-                            <a:ea typeface="Cambria Math" panose="02040503050406030204" pitchFamily="18" charset="0"/>
-                          </a:rPr>
                           <m:t>𝑪</m:t>
                         </m:r>
                       </m:num>
@@ -27846,13 +27837,6 @@
                             <a:ea typeface="Cambria Math" panose="02040503050406030204" pitchFamily="18" charset="0"/>
                           </a:rPr>
                           <m:t>𝝏</m:t>
-                        </m:r>
-                        <m:r>
-                          <a:rPr lang="en-US" sz="3000" b="1" i="1" dirty="0" smtClean="0">
-                            <a:latin typeface="Cambria Math" panose="02040503050406030204" pitchFamily="18" charset="0"/>
-                            <a:ea typeface="Cambria Math" panose="02040503050406030204" pitchFamily="18" charset="0"/>
-                          </a:rPr>
-                          <m:t> </m:t>
                         </m:r>
                         <m:r>
                           <a:rPr lang="en-US" sz="3000" b="1" i="1" dirty="0" smtClean="0">
@@ -27873,7 +27857,7 @@
             </p:txBody>
           </p:sp>
         </mc:Choice>
-        <mc:Fallback xmlns="">
+        <mc:Fallback>
           <p:sp>
             <p:nvSpPr>
               <p:cNvPr id="3" name="TextBox 2">
@@ -27899,7 +27883,7 @@
               <a:blipFill>
                 <a:blip r:embed="rId4"/>
                 <a:stretch>
-                  <a:fillRect/>
+                  <a:fillRect l="-2632" b="-3226"/>
                 </a:stretch>
               </a:blipFill>
             </p:spPr>
@@ -27908,7 +27892,7 @@
               <a:lstStyle/>
               <a:p>
                 <a:r>
-                  <a:rPr lang="en-PH">
+                  <a:rPr lang="en-US">
                     <a:noFill/>
                   </a:rPr>
                   <a:t> </a:t>
